--- a/User Eval Report.pptx
+++ b/User Eval Report.pptx
@@ -5,28 +5,31 @@
     <p:sldMasterId id="2147483977" r:id="rId1"/>
   </p:sldMasterIdLst>
   <p:notesMasterIdLst>
-    <p:notesMasterId r:id="rId18"/>
+    <p:notesMasterId r:id="rId21"/>
   </p:notesMasterIdLst>
   <p:handoutMasterIdLst>
-    <p:handoutMasterId r:id="rId19"/>
+    <p:handoutMasterId r:id="rId22"/>
   </p:handoutMasterIdLst>
   <p:sldIdLst>
     <p:sldId id="256" r:id="rId2"/>
-    <p:sldId id="257" r:id="rId3"/>
-    <p:sldId id="258" r:id="rId4"/>
-    <p:sldId id="259" r:id="rId5"/>
-    <p:sldId id="270" r:id="rId6"/>
-    <p:sldId id="260" r:id="rId7"/>
-    <p:sldId id="261" r:id="rId8"/>
-    <p:sldId id="262" r:id="rId9"/>
-    <p:sldId id="263" r:id="rId10"/>
-    <p:sldId id="268" r:id="rId11"/>
-    <p:sldId id="269" r:id="rId12"/>
-    <p:sldId id="264" r:id="rId13"/>
-    <p:sldId id="267" r:id="rId14"/>
-    <p:sldId id="266" r:id="rId15"/>
-    <p:sldId id="271" r:id="rId16"/>
-    <p:sldId id="265" r:id="rId17"/>
+    <p:sldId id="272" r:id="rId3"/>
+    <p:sldId id="273" r:id="rId4"/>
+    <p:sldId id="274" r:id="rId5"/>
+    <p:sldId id="275" r:id="rId6"/>
+    <p:sldId id="258" r:id="rId7"/>
+    <p:sldId id="259" r:id="rId8"/>
+    <p:sldId id="270" r:id="rId9"/>
+    <p:sldId id="260" r:id="rId10"/>
+    <p:sldId id="261" r:id="rId11"/>
+    <p:sldId id="262" r:id="rId12"/>
+    <p:sldId id="263" r:id="rId13"/>
+    <p:sldId id="268" r:id="rId14"/>
+    <p:sldId id="269" r:id="rId15"/>
+    <p:sldId id="264" r:id="rId16"/>
+    <p:sldId id="267" r:id="rId17"/>
+    <p:sldId id="266" r:id="rId18"/>
+    <p:sldId id="271" r:id="rId19"/>
+    <p:sldId id="265" r:id="rId20"/>
   </p:sldIdLst>
   <p:sldSz cx="12192000" cy="6858000"/>
   <p:notesSz cx="6858000" cy="9144000"/>
@@ -133,6 +136,10 @@
 </p:presentation>
 </file>
 
+<file path=ppt/revisionInfo.xml><?xml version="1.0" encoding="utf-8"?>
+<p1510:revInfo xmlns:a="http://schemas.openxmlformats.org/drawingml/2006/main" xmlns:r="http://schemas.openxmlformats.org/officeDocument/2006/relationships" xmlns:p1510="http://schemas.microsoft.com/office/powerpoint/2015/10/main"/>
+</file>
+
 <file path=ppt/handoutMasters/handoutMaster1.xml><?xml version="1.0" encoding="utf-8"?>
 <p:handoutMaster xmlns:a="http://schemas.openxmlformats.org/drawingml/2006/main" xmlns:r="http://schemas.openxmlformats.org/officeDocument/2006/relationships" xmlns:p="http://schemas.openxmlformats.org/presentationml/2006/main">
   <p:cSld>
@@ -215,7 +222,7 @@
           <a:p>
             <a:fld id="{DC63FF96-5DB3-9747-B31B-B2F1D8406D6A}" type="datetimeFigureOut">
               <a:rPr lang="en-US" smtClean="0"/>
-              <a:t>12/11/17</a:t>
+              <a:t>12/15/2017</a:t>
             </a:fld>
             <a:endParaRPr lang="en-US"/>
           </a:p>
@@ -380,7 +387,7 @@
           <a:p>
             <a:fld id="{C807DA2D-8F13-C345-B7AD-51F4CBEF9A42}" type="datetimeFigureOut">
               <a:rPr lang="en-US" smtClean="0"/>
-              <a:t>12/11/17</a:t>
+              <a:t>12/15/2017</a:t>
             </a:fld>
             <a:endParaRPr lang="en-US"/>
           </a:p>
@@ -444,38 +451,37 @@
           <a:p>
             <a:pPr lvl="0"/>
             <a:r>
-              <a:rPr lang="en-US" smtClean="0"/>
+              <a:rPr lang="en-US"/>
               <a:t>Click to edit Master text styles</a:t>
             </a:r>
           </a:p>
           <a:p>
             <a:pPr lvl="1"/>
             <a:r>
-              <a:rPr lang="en-US" smtClean="0"/>
+              <a:rPr lang="en-US"/>
               <a:t>Second level</a:t>
             </a:r>
           </a:p>
           <a:p>
             <a:pPr lvl="2"/>
             <a:r>
-              <a:rPr lang="en-US" smtClean="0"/>
+              <a:rPr lang="en-US"/>
               <a:t>Third level</a:t>
             </a:r>
           </a:p>
           <a:p>
             <a:pPr lvl="3"/>
             <a:r>
-              <a:rPr lang="en-US" smtClean="0"/>
+              <a:rPr lang="en-US"/>
               <a:t>Fourth level</a:t>
             </a:r>
           </a:p>
           <a:p>
             <a:pPr lvl="4"/>
             <a:r>
-              <a:rPr lang="en-US" smtClean="0"/>
+              <a:rPr lang="en-US"/>
               <a:t>Fifth level</a:t>
             </a:r>
-            <a:endParaRPr lang="en-US"/>
           </a:p>
         </p:txBody>
       </p:sp>
@@ -690,7 +696,7 @@
           </a:lstStyle>
           <a:p>
             <a:r>
-              <a:rPr lang="en-US" smtClean="0"/>
+              <a:rPr lang="en-US"/>
               <a:t>Click to edit Master title style</a:t>
             </a:r>
             <a:endParaRPr lang="en-US" dirty="0"/>
@@ -755,7 +761,7 @@
           </a:lstStyle>
           <a:p>
             <a:r>
-              <a:rPr lang="en-US" smtClean="0"/>
+              <a:rPr lang="en-US"/>
               <a:t>Click to edit Master subtitle style</a:t>
             </a:r>
             <a:endParaRPr lang="en-US" dirty="0"/>
@@ -779,7 +785,7 @@
           <a:p>
             <a:fld id="{3ACFE856-DE09-7444-80D3-79A9CA6437A5}" type="datetimeFigureOut">
               <a:rPr lang="en-US" smtClean="0"/>
-              <a:t>12/11/17</a:t>
+              <a:t>12/15/2017</a:t>
             </a:fld>
             <a:endParaRPr lang="en-US"/>
           </a:p>
@@ -873,7 +879,7 @@
           <a:lstStyle/>
           <a:p>
             <a:r>
-              <a:rPr lang="en-US" smtClean="0"/>
+              <a:rPr lang="en-US"/>
               <a:t>Click to edit Master title style</a:t>
             </a:r>
             <a:endParaRPr lang="en-US" dirty="0"/>
@@ -897,35 +903,35 @@
           <a:p>
             <a:pPr lvl="0"/>
             <a:r>
-              <a:rPr lang="en-US" smtClean="0"/>
+              <a:rPr lang="en-US"/>
               <a:t>Click to edit Master text styles</a:t>
             </a:r>
           </a:p>
           <a:p>
             <a:pPr lvl="1"/>
             <a:r>
-              <a:rPr lang="en-US" smtClean="0"/>
+              <a:rPr lang="en-US"/>
               <a:t>Second level</a:t>
             </a:r>
           </a:p>
           <a:p>
             <a:pPr lvl="2"/>
             <a:r>
-              <a:rPr lang="en-US" smtClean="0"/>
+              <a:rPr lang="en-US"/>
               <a:t>Third level</a:t>
             </a:r>
           </a:p>
           <a:p>
             <a:pPr lvl="3"/>
             <a:r>
-              <a:rPr lang="en-US" smtClean="0"/>
+              <a:rPr lang="en-US"/>
               <a:t>Fourth level</a:t>
             </a:r>
           </a:p>
           <a:p>
             <a:pPr lvl="4"/>
             <a:r>
-              <a:rPr lang="en-US" smtClean="0"/>
+              <a:rPr lang="en-US"/>
               <a:t>Fifth level</a:t>
             </a:r>
             <a:endParaRPr lang="en-US" dirty="0"/>
@@ -949,7 +955,7 @@
           <a:p>
             <a:fld id="{3ACFE856-DE09-7444-80D3-79A9CA6437A5}" type="datetimeFigureOut">
               <a:rPr lang="en-US" smtClean="0"/>
-              <a:t>12/11/17</a:t>
+              <a:t>12/15/2017</a:t>
             </a:fld>
             <a:endParaRPr lang="en-US"/>
           </a:p>
@@ -1043,7 +1049,7 @@
           <a:lstStyle/>
           <a:p>
             <a:r>
-              <a:rPr lang="en-US" smtClean="0"/>
+              <a:rPr lang="en-US"/>
               <a:t>Click to edit Master title style</a:t>
             </a:r>
             <a:endParaRPr lang="en-US" dirty="0"/>
@@ -1072,35 +1078,35 @@
           <a:p>
             <a:pPr lvl="0"/>
             <a:r>
-              <a:rPr lang="en-US" smtClean="0"/>
+              <a:rPr lang="en-US"/>
               <a:t>Click to edit Master text styles</a:t>
             </a:r>
           </a:p>
           <a:p>
             <a:pPr lvl="1"/>
             <a:r>
-              <a:rPr lang="en-US" smtClean="0"/>
+              <a:rPr lang="en-US"/>
               <a:t>Second level</a:t>
             </a:r>
           </a:p>
           <a:p>
             <a:pPr lvl="2"/>
             <a:r>
-              <a:rPr lang="en-US" smtClean="0"/>
+              <a:rPr lang="en-US"/>
               <a:t>Third level</a:t>
             </a:r>
           </a:p>
           <a:p>
             <a:pPr lvl="3"/>
             <a:r>
-              <a:rPr lang="en-US" smtClean="0"/>
+              <a:rPr lang="en-US"/>
               <a:t>Fourth level</a:t>
             </a:r>
           </a:p>
           <a:p>
             <a:pPr lvl="4"/>
             <a:r>
-              <a:rPr lang="en-US" smtClean="0"/>
+              <a:rPr lang="en-US"/>
               <a:t>Fifth level</a:t>
             </a:r>
             <a:endParaRPr lang="en-US" dirty="0"/>
@@ -1124,7 +1130,7 @@
           <a:p>
             <a:fld id="{3ACFE856-DE09-7444-80D3-79A9CA6437A5}" type="datetimeFigureOut">
               <a:rPr lang="en-US" smtClean="0"/>
-              <a:t>12/11/17</a:t>
+              <a:t>12/15/2017</a:t>
             </a:fld>
             <a:endParaRPr lang="en-US"/>
           </a:p>
@@ -1218,7 +1224,7 @@
           <a:lstStyle/>
           <a:p>
             <a:r>
-              <a:rPr lang="en-US" smtClean="0"/>
+              <a:rPr lang="en-US"/>
               <a:t>Click to edit Master title style</a:t>
             </a:r>
             <a:endParaRPr lang="en-US" dirty="0"/>
@@ -1242,35 +1248,35 @@
           <a:p>
             <a:pPr lvl="0"/>
             <a:r>
-              <a:rPr lang="en-US" smtClean="0"/>
+              <a:rPr lang="en-US"/>
               <a:t>Click to edit Master text styles</a:t>
             </a:r>
           </a:p>
           <a:p>
             <a:pPr lvl="1"/>
             <a:r>
-              <a:rPr lang="en-US" smtClean="0"/>
+              <a:rPr lang="en-US"/>
               <a:t>Second level</a:t>
             </a:r>
           </a:p>
           <a:p>
             <a:pPr lvl="2"/>
             <a:r>
-              <a:rPr lang="en-US" smtClean="0"/>
+              <a:rPr lang="en-US"/>
               <a:t>Third level</a:t>
             </a:r>
           </a:p>
           <a:p>
             <a:pPr lvl="3"/>
             <a:r>
-              <a:rPr lang="en-US" smtClean="0"/>
+              <a:rPr lang="en-US"/>
               <a:t>Fourth level</a:t>
             </a:r>
           </a:p>
           <a:p>
             <a:pPr lvl="4"/>
             <a:r>
-              <a:rPr lang="en-US" smtClean="0"/>
+              <a:rPr lang="en-US"/>
               <a:t>Fifth level</a:t>
             </a:r>
             <a:endParaRPr lang="en-US" dirty="0"/>
@@ -1294,7 +1300,7 @@
           <a:p>
             <a:fld id="{3ACFE856-DE09-7444-80D3-79A9CA6437A5}" type="datetimeFigureOut">
               <a:rPr lang="en-US" smtClean="0"/>
-              <a:t>12/11/17</a:t>
+              <a:t>12/15/2017</a:t>
             </a:fld>
             <a:endParaRPr lang="en-US"/>
           </a:p>
@@ -1392,7 +1398,7 @@
           </a:lstStyle>
           <a:p>
             <a:r>
-              <a:rPr lang="en-US" smtClean="0"/>
+              <a:rPr lang="en-US"/>
               <a:t>Click to edit Master title style</a:t>
             </a:r>
             <a:endParaRPr lang="en-US" dirty="0"/>
@@ -1512,7 +1518,7 @@
           <a:p>
             <a:pPr lvl="0"/>
             <a:r>
-              <a:rPr lang="en-US" smtClean="0"/>
+              <a:rPr lang="en-US"/>
               <a:t>Click to edit Master text styles</a:t>
             </a:r>
           </a:p>
@@ -1535,7 +1541,7 @@
           <a:p>
             <a:fld id="{3ACFE856-DE09-7444-80D3-79A9CA6437A5}" type="datetimeFigureOut">
               <a:rPr lang="en-US" smtClean="0"/>
-              <a:t>12/11/17</a:t>
+              <a:t>12/15/2017</a:t>
             </a:fld>
             <a:endParaRPr lang="en-US"/>
           </a:p>
@@ -1629,7 +1635,7 @@
           <a:lstStyle/>
           <a:p>
             <a:r>
-              <a:rPr lang="en-US" smtClean="0"/>
+              <a:rPr lang="en-US"/>
               <a:t>Click to edit Master title style</a:t>
             </a:r>
             <a:endParaRPr lang="en-US" dirty="0"/>
@@ -1658,35 +1664,35 @@
           <a:p>
             <a:pPr lvl="0"/>
             <a:r>
-              <a:rPr lang="en-US" smtClean="0"/>
+              <a:rPr lang="en-US"/>
               <a:t>Click to edit Master text styles</a:t>
             </a:r>
           </a:p>
           <a:p>
             <a:pPr lvl="1"/>
             <a:r>
-              <a:rPr lang="en-US" smtClean="0"/>
+              <a:rPr lang="en-US"/>
               <a:t>Second level</a:t>
             </a:r>
           </a:p>
           <a:p>
             <a:pPr lvl="2"/>
             <a:r>
-              <a:rPr lang="en-US" smtClean="0"/>
+              <a:rPr lang="en-US"/>
               <a:t>Third level</a:t>
             </a:r>
           </a:p>
           <a:p>
             <a:pPr lvl="3"/>
             <a:r>
-              <a:rPr lang="en-US" smtClean="0"/>
+              <a:rPr lang="en-US"/>
               <a:t>Fourth level</a:t>
             </a:r>
           </a:p>
           <a:p>
             <a:pPr lvl="4"/>
             <a:r>
-              <a:rPr lang="en-US" smtClean="0"/>
+              <a:rPr lang="en-US"/>
               <a:t>Fifth level</a:t>
             </a:r>
             <a:endParaRPr lang="en-US" dirty="0"/>
@@ -1715,35 +1721,35 @@
           <a:p>
             <a:pPr lvl="0"/>
             <a:r>
-              <a:rPr lang="en-US" smtClean="0"/>
+              <a:rPr lang="en-US"/>
               <a:t>Click to edit Master text styles</a:t>
             </a:r>
           </a:p>
           <a:p>
             <a:pPr lvl="1"/>
             <a:r>
-              <a:rPr lang="en-US" smtClean="0"/>
+              <a:rPr lang="en-US"/>
               <a:t>Second level</a:t>
             </a:r>
           </a:p>
           <a:p>
             <a:pPr lvl="2"/>
             <a:r>
-              <a:rPr lang="en-US" smtClean="0"/>
+              <a:rPr lang="en-US"/>
               <a:t>Third level</a:t>
             </a:r>
           </a:p>
           <a:p>
             <a:pPr lvl="3"/>
             <a:r>
-              <a:rPr lang="en-US" smtClean="0"/>
+              <a:rPr lang="en-US"/>
               <a:t>Fourth level</a:t>
             </a:r>
           </a:p>
           <a:p>
             <a:pPr lvl="4"/>
             <a:r>
-              <a:rPr lang="en-US" smtClean="0"/>
+              <a:rPr lang="en-US"/>
               <a:t>Fifth level</a:t>
             </a:r>
             <a:endParaRPr lang="en-US" dirty="0"/>
@@ -1767,7 +1773,7 @@
           <a:p>
             <a:fld id="{3ACFE856-DE09-7444-80D3-79A9CA6437A5}" type="datetimeFigureOut">
               <a:rPr lang="en-US" smtClean="0"/>
-              <a:t>12/11/17</a:t>
+              <a:t>12/15/2017</a:t>
             </a:fld>
             <a:endParaRPr lang="en-US"/>
           </a:p>
@@ -1861,7 +1867,7 @@
           <a:lstStyle/>
           <a:p>
             <a:r>
-              <a:rPr lang="en-US" smtClean="0"/>
+              <a:rPr lang="en-US"/>
               <a:t>Click to edit Master title style</a:t>
             </a:r>
             <a:endParaRPr lang="en-US" dirty="0"/>
@@ -1927,7 +1933,7 @@
           <a:p>
             <a:pPr lvl="0"/>
             <a:r>
-              <a:rPr lang="en-US" smtClean="0"/>
+              <a:rPr lang="en-US"/>
               <a:t>Click to edit Master text styles</a:t>
             </a:r>
           </a:p>
@@ -1955,35 +1961,35 @@
           <a:p>
             <a:pPr lvl="0"/>
             <a:r>
-              <a:rPr lang="en-US" smtClean="0"/>
+              <a:rPr lang="en-US"/>
               <a:t>Click to edit Master text styles</a:t>
             </a:r>
           </a:p>
           <a:p>
             <a:pPr lvl="1"/>
             <a:r>
-              <a:rPr lang="en-US" smtClean="0"/>
+              <a:rPr lang="en-US"/>
               <a:t>Second level</a:t>
             </a:r>
           </a:p>
           <a:p>
             <a:pPr lvl="2"/>
             <a:r>
-              <a:rPr lang="en-US" smtClean="0"/>
+              <a:rPr lang="en-US"/>
               <a:t>Third level</a:t>
             </a:r>
           </a:p>
           <a:p>
             <a:pPr lvl="3"/>
             <a:r>
-              <a:rPr lang="en-US" smtClean="0"/>
+              <a:rPr lang="en-US"/>
               <a:t>Fourth level</a:t>
             </a:r>
           </a:p>
           <a:p>
             <a:pPr lvl="4"/>
             <a:r>
-              <a:rPr lang="en-US" smtClean="0"/>
+              <a:rPr lang="en-US"/>
               <a:t>Fifth level</a:t>
             </a:r>
             <a:endParaRPr lang="en-US" dirty="0"/>
@@ -2049,7 +2055,7 @@
           <a:p>
             <a:pPr lvl="0"/>
             <a:r>
-              <a:rPr lang="en-US" smtClean="0"/>
+              <a:rPr lang="en-US"/>
               <a:t>Click to edit Master text styles</a:t>
             </a:r>
           </a:p>
@@ -2077,35 +2083,35 @@
           <a:p>
             <a:pPr lvl="0"/>
             <a:r>
-              <a:rPr lang="en-US" smtClean="0"/>
+              <a:rPr lang="en-US"/>
               <a:t>Click to edit Master text styles</a:t>
             </a:r>
           </a:p>
           <a:p>
             <a:pPr lvl="1"/>
             <a:r>
-              <a:rPr lang="en-US" smtClean="0"/>
+              <a:rPr lang="en-US"/>
               <a:t>Second level</a:t>
             </a:r>
           </a:p>
           <a:p>
             <a:pPr lvl="2"/>
             <a:r>
-              <a:rPr lang="en-US" smtClean="0"/>
+              <a:rPr lang="en-US"/>
               <a:t>Third level</a:t>
             </a:r>
           </a:p>
           <a:p>
             <a:pPr lvl="3"/>
             <a:r>
-              <a:rPr lang="en-US" smtClean="0"/>
+              <a:rPr lang="en-US"/>
               <a:t>Fourth level</a:t>
             </a:r>
           </a:p>
           <a:p>
             <a:pPr lvl="4"/>
             <a:r>
-              <a:rPr lang="en-US" smtClean="0"/>
+              <a:rPr lang="en-US"/>
               <a:t>Fifth level</a:t>
             </a:r>
             <a:endParaRPr lang="en-US" dirty="0"/>
@@ -2129,7 +2135,7 @@
           <a:p>
             <a:fld id="{3ACFE856-DE09-7444-80D3-79A9CA6437A5}" type="datetimeFigureOut">
               <a:rPr lang="en-US" smtClean="0"/>
-              <a:t>12/11/17</a:t>
+              <a:t>12/15/2017</a:t>
             </a:fld>
             <a:endParaRPr lang="en-US"/>
           </a:p>
@@ -2218,7 +2224,7 @@
           <a:lstStyle/>
           <a:p>
             <a:r>
-              <a:rPr lang="en-US" smtClean="0"/>
+              <a:rPr lang="en-US"/>
               <a:t>Click to edit Master title style</a:t>
             </a:r>
             <a:endParaRPr lang="en-US" dirty="0"/>
@@ -2242,7 +2248,7 @@
           <a:p>
             <a:fld id="{3ACFE856-DE09-7444-80D3-79A9CA6437A5}" type="datetimeFigureOut">
               <a:rPr lang="en-US" smtClean="0"/>
-              <a:t>12/11/17</a:t>
+              <a:t>12/15/2017</a:t>
             </a:fld>
             <a:endParaRPr lang="en-US"/>
           </a:p>
@@ -2332,7 +2338,7 @@
           <a:p>
             <a:fld id="{3ACFE856-DE09-7444-80D3-79A9CA6437A5}" type="datetimeFigureOut">
               <a:rPr lang="en-US" smtClean="0"/>
-              <a:t>12/11/17</a:t>
+              <a:t>12/15/2017</a:t>
             </a:fld>
             <a:endParaRPr lang="en-US"/>
           </a:p>
@@ -2430,7 +2436,7 @@
           </a:lstStyle>
           <a:p>
             <a:r>
-              <a:rPr lang="en-US" smtClean="0"/>
+              <a:rPr lang="en-US"/>
               <a:t>Click to edit Master title style</a:t>
             </a:r>
             <a:endParaRPr lang="en-US" dirty="0"/>
@@ -2487,35 +2493,35 @@
           <a:p>
             <a:pPr lvl="0"/>
             <a:r>
-              <a:rPr lang="en-US" smtClean="0"/>
+              <a:rPr lang="en-US"/>
               <a:t>Click to edit Master text styles</a:t>
             </a:r>
           </a:p>
           <a:p>
             <a:pPr lvl="1"/>
             <a:r>
-              <a:rPr lang="en-US" smtClean="0"/>
+              <a:rPr lang="en-US"/>
               <a:t>Second level</a:t>
             </a:r>
           </a:p>
           <a:p>
             <a:pPr lvl="2"/>
             <a:r>
-              <a:rPr lang="en-US" smtClean="0"/>
+              <a:rPr lang="en-US"/>
               <a:t>Third level</a:t>
             </a:r>
           </a:p>
           <a:p>
             <a:pPr lvl="3"/>
             <a:r>
-              <a:rPr lang="en-US" smtClean="0"/>
+              <a:rPr lang="en-US"/>
               <a:t>Fourth level</a:t>
             </a:r>
           </a:p>
           <a:p>
             <a:pPr lvl="4"/>
             <a:r>
-              <a:rPr lang="en-US" smtClean="0"/>
+              <a:rPr lang="en-US"/>
               <a:t>Fifth level</a:t>
             </a:r>
             <a:endParaRPr lang="en-US" dirty="0"/>
@@ -2581,7 +2587,7 @@
           <a:p>
             <a:pPr lvl="0"/>
             <a:r>
-              <a:rPr lang="en-US" smtClean="0"/>
+              <a:rPr lang="en-US"/>
               <a:t>Click to edit Master text styles</a:t>
             </a:r>
           </a:p>
@@ -2604,7 +2610,7 @@
           <a:p>
             <a:fld id="{3ACFE856-DE09-7444-80D3-79A9CA6437A5}" type="datetimeFigureOut">
               <a:rPr lang="en-US" smtClean="0"/>
-              <a:t>12/11/17</a:t>
+              <a:t>12/15/2017</a:t>
             </a:fld>
             <a:endParaRPr lang="en-US"/>
           </a:p>
@@ -2702,7 +2708,7 @@
           </a:lstStyle>
           <a:p>
             <a:r>
-              <a:rPr lang="en-US" smtClean="0"/>
+              <a:rPr lang="en-US"/>
               <a:t>Click to edit Master title style</a:t>
             </a:r>
             <a:endParaRPr lang="en-US" dirty="0"/>
@@ -2767,7 +2773,7 @@
           </a:lstStyle>
           <a:p>
             <a:r>
-              <a:rPr lang="en-US" smtClean="0"/>
+              <a:rPr lang="en-US"/>
               <a:t>Drag picture to placeholder or click icon to add</a:t>
             </a:r>
             <a:endParaRPr lang="en-US" dirty="0"/>
@@ -2833,7 +2839,7 @@
           <a:p>
             <a:pPr lvl="0"/>
             <a:r>
-              <a:rPr lang="en-US" smtClean="0"/>
+              <a:rPr lang="en-US"/>
               <a:t>Click to edit Master text styles</a:t>
             </a:r>
           </a:p>
@@ -2856,7 +2862,7 @@
           <a:p>
             <a:fld id="{3ACFE856-DE09-7444-80D3-79A9CA6437A5}" type="datetimeFigureOut">
               <a:rPr lang="en-US" smtClean="0"/>
-              <a:t>12/11/17</a:t>
+              <a:t>12/15/2017</a:t>
             </a:fld>
             <a:endParaRPr lang="en-US"/>
           </a:p>
@@ -2990,7 +2996,7 @@
           <a:lstStyle/>
           <a:p>
             <a:r>
-              <a:rPr lang="en-US" smtClean="0"/>
+              <a:rPr lang="en-US"/>
               <a:t>Click to edit Master title style</a:t>
             </a:r>
             <a:endParaRPr lang="en-US" dirty="0"/>
@@ -3024,35 +3030,35 @@
           <a:p>
             <a:pPr lvl="0"/>
             <a:r>
-              <a:rPr lang="en-US" smtClean="0"/>
+              <a:rPr lang="en-US"/>
               <a:t>Click to edit Master text styles</a:t>
             </a:r>
           </a:p>
           <a:p>
             <a:pPr lvl="1"/>
             <a:r>
-              <a:rPr lang="en-US" smtClean="0"/>
+              <a:rPr lang="en-US"/>
               <a:t>Second level</a:t>
             </a:r>
           </a:p>
           <a:p>
             <a:pPr lvl="2"/>
             <a:r>
-              <a:rPr lang="en-US" smtClean="0"/>
+              <a:rPr lang="en-US"/>
               <a:t>Third level</a:t>
             </a:r>
           </a:p>
           <a:p>
             <a:pPr lvl="3"/>
             <a:r>
-              <a:rPr lang="en-US" smtClean="0"/>
+              <a:rPr lang="en-US"/>
               <a:t>Fourth level</a:t>
             </a:r>
           </a:p>
           <a:p>
             <a:pPr lvl="4"/>
             <a:r>
-              <a:rPr lang="en-US" smtClean="0"/>
+              <a:rPr lang="en-US"/>
               <a:t>Fifth level</a:t>
             </a:r>
             <a:endParaRPr lang="en-US" dirty="0"/>
@@ -3094,7 +3100,7 @@
           <a:p>
             <a:fld id="{3ACFE856-DE09-7444-80D3-79A9CA6437A5}" type="datetimeFigureOut">
               <a:rPr lang="en-US" smtClean="0"/>
-              <a:t>12/11/17</a:t>
+              <a:t>12/15/2017</a:t>
             </a:fld>
             <a:endParaRPr lang="en-US"/>
           </a:p>
@@ -3522,18 +3528,13 @@
           <a:lstStyle/>
           <a:p>
             <a:r>
-              <a:rPr lang="en-US" sz="6600" dirty="0" smtClean="0">
+              <a:rPr lang="en-US" sz="6600" dirty="0">
                 <a:latin typeface="Arial Rounded MT Bold" charset="0"/>
                 <a:ea typeface="Arial Rounded MT Bold" charset="0"/>
                 <a:cs typeface="Arial Rounded MT Bold" charset="0"/>
               </a:rPr>
               <a:t>Just One More Ministry Tracking Software</a:t>
             </a:r>
-            <a:endParaRPr lang="en-US" sz="6600" dirty="0">
-              <a:latin typeface="Arial Rounded MT Bold" charset="0"/>
-              <a:ea typeface="Arial Rounded MT Bold" charset="0"/>
-              <a:cs typeface="Arial Rounded MT Bold" charset="0"/>
-            </a:endParaRPr>
           </a:p>
         </p:txBody>
       </p:sp>
@@ -3547,12 +3548,34 @@
             <p:ph type="subTitle" idx="1"/>
           </p:nvPr>
         </p:nvSpPr>
-        <p:spPr/>
-        <p:txBody>
-          <a:bodyPr/>
-          <a:lstStyle/>
-          <a:p>
-            <a:endParaRPr lang="en-US"/>
+        <p:spPr>
+          <a:xfrm>
+            <a:off x="1524000" y="5611813"/>
+            <a:ext cx="9144000" cy="693737"/>
+          </a:xfrm>
+        </p:spPr>
+        <p:txBody>
+          <a:bodyPr/>
+          <a:lstStyle/>
+          <a:p>
+            <a:r>
+              <a:rPr lang="en-US" dirty="0">
+                <a:latin typeface="Arial Rounded MT Bold" panose="020F0704030504030204" pitchFamily="34" charset="0"/>
+              </a:rPr>
+              <a:t>By: Adam </a:t>
+            </a:r>
+            <a:r>
+              <a:rPr lang="en-US" dirty="0" err="1">
+                <a:latin typeface="Arial Rounded MT Bold" panose="020F0704030504030204" pitchFamily="34" charset="0"/>
+              </a:rPr>
+              <a:t>Honts</a:t>
+            </a:r>
+            <a:r>
+              <a:rPr lang="en-US" dirty="0">
+                <a:latin typeface="Arial Rounded MT Bold" panose="020F0704030504030204" pitchFamily="34" charset="0"/>
+              </a:rPr>
+              <a:t>, Harminder Braich, Shawn Strong</a:t>
+            </a:r>
           </a:p>
         </p:txBody>
       </p:sp>
@@ -3566,13 +3589,6 @@
   <p:clrMapOvr>
     <a:masterClrMapping/>
   </p:clrMapOvr>
-  <p:timing>
-    <p:tnLst>
-      <p:par>
-        <p:cTn id="1" dur="indefinite" restart="never" nodeType="tmRoot"/>
-      </p:par>
-    </p:tnLst>
-  </p:timing>
 </p:sld>
 </file>
 
@@ -3603,91 +3619,24 @@
             <p:ph type="title"/>
           </p:nvPr>
         </p:nvSpPr>
-        <p:spPr/>
+        <p:spPr>
+          <a:xfrm>
+            <a:off x="191385" y="0"/>
+            <a:ext cx="11821297" cy="1325563"/>
+          </a:xfrm>
+        </p:spPr>
         <p:txBody>
           <a:bodyPr/>
           <a:lstStyle/>
           <a:p>
             <a:pPr algn="ctr"/>
             <a:r>
-              <a:rPr lang="en-US" dirty="0" smtClean="0">
+              <a:rPr lang="en-US">
                 <a:latin typeface="Arial Rounded MT Bold" charset="0"/>
                 <a:ea typeface="Arial Rounded MT Bold" charset="0"/>
                 <a:cs typeface="Arial Rounded MT Bold" charset="0"/>
               </a:rPr>
-              <a:t>External Mic Time vs Laptop Mic Time</a:t>
-            </a:r>
-            <a:endParaRPr lang="en-US" dirty="0">
-              <a:latin typeface="Arial Rounded MT Bold" charset="0"/>
-              <a:ea typeface="Arial Rounded MT Bold" charset="0"/>
-              <a:cs typeface="Arial Rounded MT Bold" charset="0"/>
-            </a:endParaRPr>
-          </a:p>
-        </p:txBody>
-      </p:sp>
-      <p:sp>
-        <p:nvSpPr>
-          <p:cNvPr id="3" name="Content Placeholder 2"/>
-          <p:cNvSpPr>
-            <a:spLocks noGrp="1"/>
-          </p:cNvSpPr>
-          <p:nvPr>
-            <p:ph idx="1"/>
-          </p:nvPr>
-        </p:nvSpPr>
-        <p:spPr>
-          <a:xfrm>
-            <a:off x="838200" y="1825625"/>
-            <a:ext cx="10752438" cy="4351338"/>
-          </a:xfrm>
-        </p:spPr>
-        <p:txBody>
-          <a:bodyPr/>
-          <a:lstStyle/>
-          <a:p>
-            <a:pPr marL="0" marR="0" lvl="0" indent="0" defTabSz="914400" eaLnBrk="1" fontAlgn="auto" latinLnBrk="0" hangingPunct="1">
-              <a:lnSpc>
-                <a:spcPct val="100000"/>
-              </a:lnSpc>
-              <a:spcBef>
-                <a:spcPts val="0"/>
-              </a:spcBef>
-              <a:spcAft>
-                <a:spcPts val="0"/>
-              </a:spcAft>
-              <a:buClrTx/>
-              <a:buSzTx/>
-              <a:buFontTx/>
-              <a:buNone/>
-              <a:tabLst/>
-              <a:defRPr/>
-            </a:pPr>
-            <a:r>
-              <a:rPr lang="en-US" dirty="0" smtClean="0">
-                <a:latin typeface="Arial Rounded MT Bold" charset="0"/>
-                <a:ea typeface="Arial Rounded MT Bold" charset="0"/>
-                <a:cs typeface="Arial Rounded MT Bold" charset="0"/>
-              </a:rPr>
-              <a:t>Null Hypothesis: External Mic Time = Laptop Mic Time</a:t>
-            </a:r>
-          </a:p>
-          <a:p>
-            <a:pPr marL="0" indent="0">
-              <a:lnSpc>
-                <a:spcPct val="100000"/>
-              </a:lnSpc>
-              <a:spcBef>
-                <a:spcPts val="0"/>
-              </a:spcBef>
-              <a:buNone/>
-            </a:pPr>
-            <a:r>
-              <a:rPr lang="en-US" dirty="0" smtClean="0">
-                <a:latin typeface="Arial Rounded MT Bold" charset="0"/>
-                <a:ea typeface="Arial Rounded MT Bold" charset="0"/>
-                <a:cs typeface="Arial Rounded MT Bold" charset="0"/>
-              </a:rPr>
-              <a:t>Alternative Hypothesis: </a:t>
+              <a:t>Smart Widget </a:t>
             </a:r>
             <a:r>
               <a:rPr lang="en-US" dirty="0">
@@ -3695,127 +3644,136 @@
                 <a:ea typeface="Arial Rounded MT Bold" charset="0"/>
                 <a:cs typeface="Arial Rounded MT Bold" charset="0"/>
               </a:rPr>
-              <a:t>External Mic Time &lt;</a:t>
-            </a:r>
-            <a:r>
-              <a:rPr lang="en-US" dirty="0" smtClean="0">
+              <a:t>(No New Orgs) vs No Widget</a:t>
+            </a:r>
+          </a:p>
+        </p:txBody>
+      </p:sp>
+      <p:sp>
+        <p:nvSpPr>
+          <p:cNvPr id="4" name="TextBox 3"/>
+          <p:cNvSpPr txBox="1"/>
+          <p:nvPr/>
+        </p:nvSpPr>
+        <p:spPr>
+          <a:xfrm>
+            <a:off x="191385" y="1424986"/>
+            <a:ext cx="9236819" cy="1200329"/>
+          </a:xfrm>
+          <a:prstGeom prst="rect">
+            <a:avLst/>
+          </a:prstGeom>
+          <a:noFill/>
+        </p:spPr>
+        <p:txBody>
+          <a:bodyPr wrap="square" rtlCol="0">
+            <a:spAutoFit/>
+          </a:bodyPr>
+          <a:lstStyle/>
+          <a:p>
+            <a:r>
+              <a:rPr lang="en-US" sz="2400" dirty="0">
                 <a:latin typeface="Arial Rounded MT Bold" charset="0"/>
                 <a:ea typeface="Arial Rounded MT Bold" charset="0"/>
                 <a:cs typeface="Arial Rounded MT Bold" charset="0"/>
               </a:rPr>
-              <a:t> </a:t>
-            </a:r>
-            <a:r>
-              <a:rPr lang="en-US" dirty="0">
+              <a:t>Student’s t Test</a:t>
+            </a:r>
+          </a:p>
+          <a:p>
+            <a:pPr lvl="1"/>
+            <a:r>
+              <a:rPr lang="en-US" sz="2400" dirty="0">
                 <a:latin typeface="Arial Rounded MT Bold" charset="0"/>
                 <a:ea typeface="Arial Rounded MT Bold" charset="0"/>
                 <a:cs typeface="Arial Rounded MT Bold" charset="0"/>
               </a:rPr>
-              <a:t>Laptop Mic Time</a:t>
-            </a:r>
-          </a:p>
-          <a:p>
-            <a:pPr marL="0" marR="0" lvl="0" indent="0" defTabSz="914400" eaLnBrk="1" fontAlgn="auto" latinLnBrk="0" hangingPunct="1">
-              <a:lnSpc>
-                <a:spcPct val="100000"/>
-              </a:lnSpc>
-              <a:spcBef>
-                <a:spcPts val="0"/>
-              </a:spcBef>
-              <a:spcAft>
-                <a:spcPts val="0"/>
-              </a:spcAft>
-              <a:buClrTx/>
-              <a:buSzTx/>
-              <a:buFontTx/>
-              <a:buNone/>
-              <a:tabLst/>
-              <a:defRPr/>
-            </a:pPr>
-            <a:endParaRPr lang="en-US" dirty="0" smtClean="0">
-              <a:latin typeface="Arial Rounded MT Bold" charset="0"/>
-              <a:ea typeface="Arial Rounded MT Bold" charset="0"/>
-              <a:cs typeface="Arial Rounded MT Bold" charset="0"/>
-            </a:endParaRPr>
-          </a:p>
-          <a:p>
-            <a:pPr marL="0" marR="0" lvl="0" indent="0" defTabSz="914400" eaLnBrk="1" fontAlgn="auto" latinLnBrk="0" hangingPunct="1">
-              <a:lnSpc>
-                <a:spcPct val="100000"/>
-              </a:lnSpc>
-              <a:spcBef>
-                <a:spcPts val="0"/>
-              </a:spcBef>
-              <a:spcAft>
-                <a:spcPts val="0"/>
-              </a:spcAft>
-              <a:buClrTx/>
-              <a:buSzTx/>
-              <a:buFontTx/>
-              <a:buNone/>
-              <a:tabLst/>
-              <a:defRPr/>
-            </a:pPr>
-            <a:r>
-              <a:rPr lang="en-US" dirty="0" smtClean="0">
+              <a:t>Null Hypothesis: Widget Time = No Widget Time</a:t>
+            </a:r>
+          </a:p>
+          <a:p>
+            <a:pPr lvl="1"/>
+            <a:r>
+              <a:rPr lang="en-US" sz="2400" dirty="0">
                 <a:latin typeface="Arial Rounded MT Bold" charset="0"/>
                 <a:ea typeface="Arial Rounded MT Bold" charset="0"/>
                 <a:cs typeface="Arial Rounded MT Bold" charset="0"/>
               </a:rPr>
-              <a:t>t statistic = 6.614</a:t>
-            </a:r>
-          </a:p>
-          <a:p>
-            <a:pPr marL="0" marR="0" lvl="0" indent="0" defTabSz="914400" eaLnBrk="1" fontAlgn="auto" latinLnBrk="0" hangingPunct="1">
-              <a:lnSpc>
-                <a:spcPct val="100000"/>
-              </a:lnSpc>
-              <a:spcBef>
-                <a:spcPts val="0"/>
-              </a:spcBef>
-              <a:spcAft>
-                <a:spcPts val="0"/>
-              </a:spcAft>
-              <a:buClrTx/>
-              <a:buSzTx/>
-              <a:buFontTx/>
-              <a:buNone/>
-              <a:tabLst/>
-              <a:defRPr/>
-            </a:pPr>
-            <a:r>
-              <a:rPr lang="en-US" dirty="0" smtClean="0">
-                <a:latin typeface="Arial Rounded MT Bold" charset="0"/>
-                <a:ea typeface="Arial Rounded MT Bold" charset="0"/>
-                <a:cs typeface="Arial Rounded MT Bold" charset="0"/>
-              </a:rPr>
-              <a:t>P value = .000084</a:t>
-            </a:r>
-            <a:endParaRPr lang="en-US" dirty="0">
-              <a:latin typeface="Arial Rounded MT Bold" charset="0"/>
-              <a:ea typeface="Arial Rounded MT Bold" charset="0"/>
-              <a:cs typeface="Arial Rounded MT Bold" charset="0"/>
-            </a:endParaRPr>
-          </a:p>
-        </p:txBody>
-      </p:sp>
+              <a:t>Alternative Hypothesis: Widget Time &lt; No Widget Time</a:t>
+            </a:r>
+          </a:p>
+        </p:txBody>
+      </p:sp>
+      <p:pic>
+        <p:nvPicPr>
+          <p:cNvPr id="5" name="Picture 4"/>
+          <p:cNvPicPr>
+            <a:picLocks noChangeAspect="1"/>
+          </p:cNvPicPr>
+          <p:nvPr/>
+        </p:nvPicPr>
+        <p:blipFill>
+          <a:blip r:embed="rId2">
+            <a:extLst>
+              <a:ext uri="{28A0092B-C50C-407E-A947-70E740481C1C}">
+                <a14:useLocalDpi xmlns:a14="http://schemas.microsoft.com/office/drawing/2010/main" val="0"/>
+              </a:ext>
+            </a:extLst>
+          </a:blip>
+          <a:stretch>
+            <a:fillRect/>
+          </a:stretch>
+        </p:blipFill>
+        <p:spPr>
+          <a:xfrm>
+            <a:off x="2292267" y="2933938"/>
+            <a:ext cx="8106755" cy="1662775"/>
+          </a:xfrm>
+          <a:prstGeom prst="rect">
+            <a:avLst/>
+          </a:prstGeom>
+        </p:spPr>
+      </p:pic>
+      <p:pic>
+        <p:nvPicPr>
+          <p:cNvPr id="7" name="Picture 6"/>
+          <p:cNvPicPr>
+            <a:picLocks noChangeAspect="1"/>
+          </p:cNvPicPr>
+          <p:nvPr/>
+        </p:nvPicPr>
+        <p:blipFill>
+          <a:blip r:embed="rId3">
+            <a:extLst>
+              <a:ext uri="{28A0092B-C50C-407E-A947-70E740481C1C}">
+                <a14:useLocalDpi xmlns:a14="http://schemas.microsoft.com/office/drawing/2010/main" val="0"/>
+              </a:ext>
+            </a:extLst>
+          </a:blip>
+          <a:stretch>
+            <a:fillRect/>
+          </a:stretch>
+        </p:blipFill>
+        <p:spPr>
+          <a:xfrm>
+            <a:off x="2292267" y="5162369"/>
+            <a:ext cx="8106755" cy="534095"/>
+          </a:xfrm>
+          <a:prstGeom prst="rect">
+            <a:avLst/>
+          </a:prstGeom>
+        </p:spPr>
+      </p:pic>
     </p:spTree>
     <p:extLst>
       <p:ext uri="{BB962C8B-B14F-4D97-AF65-F5344CB8AC3E}">
-        <p14:creationId xmlns:p14="http://schemas.microsoft.com/office/powerpoint/2010/main" val="327436901"/>
+        <p14:creationId xmlns:p14="http://schemas.microsoft.com/office/powerpoint/2010/main" val="231883935"/>
       </p:ext>
     </p:extLst>
   </p:cSld>
   <p:clrMapOvr>
     <a:masterClrMapping/>
   </p:clrMapOvr>
-  <p:timing>
-    <p:tnLst>
-      <p:par>
-        <p:cTn id="1" dur="indefinite" restart="never" nodeType="tmRoot"/>
-      </p:par>
-    </p:tnLst>
-  </p:timing>
 </p:sld>
 </file>
 
@@ -3846,252 +3804,173 @@
             <p:ph type="title"/>
           </p:nvPr>
         </p:nvSpPr>
-        <p:spPr/>
-        <p:txBody>
-          <a:bodyPr/>
-          <a:lstStyle/>
-          <a:p>
-            <a:pPr algn="ctr"/>
-            <a:r>
-              <a:rPr lang="en-US" dirty="0" smtClean="0">
-                <a:latin typeface="Arial Rounded MT Bold" charset="0"/>
-                <a:ea typeface="Arial Rounded MT Bold" charset="0"/>
-                <a:cs typeface="Arial Rounded MT Bold" charset="0"/>
-              </a:rPr>
-              <a:t>External Mic Commands vs Laptop Mic Commands</a:t>
-            </a:r>
-            <a:endParaRPr lang="en-US" dirty="0">
-              <a:latin typeface="Arial Rounded MT Bold" charset="0"/>
-              <a:ea typeface="Arial Rounded MT Bold" charset="0"/>
-              <a:cs typeface="Arial Rounded MT Bold" charset="0"/>
-            </a:endParaRPr>
-          </a:p>
-        </p:txBody>
-      </p:sp>
-      <p:sp>
-        <p:nvSpPr>
-          <p:cNvPr id="3" name="Content Placeholder 2"/>
-          <p:cNvSpPr>
-            <a:spLocks noGrp="1"/>
-          </p:cNvSpPr>
-          <p:nvPr>
-            <p:ph idx="1"/>
-          </p:nvPr>
-        </p:nvSpPr>
         <p:spPr>
           <a:xfrm>
-            <a:off x="0" y="1825625"/>
-            <a:ext cx="12319685" cy="4351338"/>
+            <a:off x="838200" y="167417"/>
+            <a:ext cx="10515600" cy="1325563"/>
           </a:xfrm>
         </p:spPr>
         <p:txBody>
           <a:bodyPr/>
           <a:lstStyle/>
           <a:p>
-            <a:pPr marL="0" lvl="0" indent="0">
-              <a:lnSpc>
-                <a:spcPct val="100000"/>
-              </a:lnSpc>
-              <a:spcBef>
-                <a:spcPts val="0"/>
-              </a:spcBef>
-              <a:buNone/>
-              <a:defRPr/>
-            </a:pPr>
-            <a:r>
-              <a:rPr lang="en-US" sz="2700" dirty="0">
-                <a:latin typeface="Arial Rounded MT Bold" charset="0"/>
-                <a:ea typeface="Arial Rounded MT Bold" charset="0"/>
-                <a:cs typeface="Arial Rounded MT Bold" charset="0"/>
-              </a:rPr>
-              <a:t>Null Hypothesis: External Mic </a:t>
-            </a:r>
-            <a:r>
-              <a:rPr lang="en-US" sz="2700" dirty="0" smtClean="0">
-                <a:latin typeface="Arial Rounded MT Bold" charset="0"/>
-                <a:ea typeface="Arial Rounded MT Bold" charset="0"/>
-                <a:cs typeface="Arial Rounded MT Bold" charset="0"/>
-              </a:rPr>
-              <a:t>Commands= </a:t>
-            </a:r>
-            <a:r>
-              <a:rPr lang="en-US" sz="2700" dirty="0">
-                <a:latin typeface="Arial Rounded MT Bold" charset="0"/>
-                <a:ea typeface="Arial Rounded MT Bold" charset="0"/>
-                <a:cs typeface="Arial Rounded MT Bold" charset="0"/>
-              </a:rPr>
-              <a:t>Laptop Mic </a:t>
-            </a:r>
-            <a:r>
-              <a:rPr lang="en-US" sz="2700" dirty="0" smtClean="0">
-                <a:latin typeface="Arial Rounded MT Bold" charset="0"/>
-                <a:ea typeface="Arial Rounded MT Bold" charset="0"/>
-                <a:cs typeface="Arial Rounded MT Bold" charset="0"/>
-              </a:rPr>
-              <a:t>Commands</a:t>
-            </a:r>
-            <a:endParaRPr lang="en-US" sz="2700" dirty="0">
-              <a:latin typeface="Arial Rounded MT Bold" charset="0"/>
-              <a:ea typeface="Arial Rounded MT Bold" charset="0"/>
-              <a:cs typeface="Arial Rounded MT Bold" charset="0"/>
-            </a:endParaRPr>
-          </a:p>
-          <a:p>
-            <a:pPr marL="0" indent="0">
-              <a:lnSpc>
-                <a:spcPct val="100000"/>
-              </a:lnSpc>
-              <a:spcBef>
-                <a:spcPts val="0"/>
-              </a:spcBef>
-              <a:buNone/>
-            </a:pPr>
-            <a:r>
-              <a:rPr lang="en-US" sz="2700" dirty="0">
-                <a:latin typeface="Arial Rounded MT Bold" charset="0"/>
-                <a:ea typeface="Arial Rounded MT Bold" charset="0"/>
-                <a:cs typeface="Arial Rounded MT Bold" charset="0"/>
-              </a:rPr>
-              <a:t>Alternative Hypothesis: External Mic </a:t>
-            </a:r>
-            <a:r>
-              <a:rPr lang="en-US" sz="2700" dirty="0" smtClean="0">
-                <a:latin typeface="Arial Rounded MT Bold" charset="0"/>
-                <a:ea typeface="Arial Rounded MT Bold" charset="0"/>
-                <a:cs typeface="Arial Rounded MT Bold" charset="0"/>
-              </a:rPr>
-              <a:t>Commands&gt; </a:t>
-            </a:r>
-            <a:r>
-              <a:rPr lang="en-US" sz="2700" dirty="0">
-                <a:latin typeface="Arial Rounded MT Bold" charset="0"/>
-                <a:ea typeface="Arial Rounded MT Bold" charset="0"/>
-                <a:cs typeface="Arial Rounded MT Bold" charset="0"/>
-              </a:rPr>
-              <a:t>Laptop Mic </a:t>
-            </a:r>
-            <a:r>
-              <a:rPr lang="en-US" sz="2700" dirty="0" smtClean="0">
-                <a:latin typeface="Arial Rounded MT Bold" charset="0"/>
-                <a:ea typeface="Arial Rounded MT Bold" charset="0"/>
-                <a:cs typeface="Arial Rounded MT Bold" charset="0"/>
-              </a:rPr>
-              <a:t>Commands</a:t>
-            </a:r>
-            <a:endParaRPr lang="en-US" sz="2700" dirty="0">
-              <a:latin typeface="Arial Rounded MT Bold" charset="0"/>
-              <a:ea typeface="Arial Rounded MT Bold" charset="0"/>
-              <a:cs typeface="Arial Rounded MT Bold" charset="0"/>
-            </a:endParaRPr>
-          </a:p>
-          <a:p>
-            <a:pPr marL="0" lvl="0" indent="0">
-              <a:lnSpc>
-                <a:spcPct val="100000"/>
-              </a:lnSpc>
-              <a:spcBef>
-                <a:spcPts val="0"/>
-              </a:spcBef>
-              <a:buNone/>
-              <a:defRPr/>
-            </a:pPr>
-            <a:endParaRPr lang="en-US" dirty="0">
-              <a:latin typeface="Arial Rounded MT Bold" charset="0"/>
-              <a:ea typeface="Arial Rounded MT Bold" charset="0"/>
-              <a:cs typeface="Arial Rounded MT Bold" charset="0"/>
-            </a:endParaRPr>
-          </a:p>
-          <a:p>
-            <a:pPr marL="0" lvl="0" indent="0">
-              <a:lnSpc>
-                <a:spcPct val="100000"/>
-              </a:lnSpc>
-              <a:spcBef>
-                <a:spcPts val="0"/>
-              </a:spcBef>
-              <a:buNone/>
-              <a:defRPr/>
-            </a:pPr>
+            <a:pPr algn="ctr"/>
             <a:r>
               <a:rPr lang="en-US" dirty="0">
                 <a:latin typeface="Arial Rounded MT Bold" charset="0"/>
                 <a:ea typeface="Arial Rounded MT Bold" charset="0"/>
                 <a:cs typeface="Arial Rounded MT Bold" charset="0"/>
               </a:rPr>
-              <a:t>t statistic = </a:t>
-            </a:r>
-            <a:r>
-              <a:rPr lang="en-US" dirty="0" smtClean="0">
-                <a:latin typeface="Arial Rounded MT Bold" charset="0"/>
-                <a:ea typeface="Arial Rounded MT Bold" charset="0"/>
-                <a:cs typeface="Arial Rounded MT Bold" charset="0"/>
-              </a:rPr>
-              <a:t>.8555</a:t>
-            </a:r>
-            <a:endParaRPr lang="en-US" dirty="0">
-              <a:latin typeface="Arial Rounded MT Bold" charset="0"/>
-              <a:ea typeface="Arial Rounded MT Bold" charset="0"/>
-              <a:cs typeface="Arial Rounded MT Bold" charset="0"/>
-            </a:endParaRPr>
-          </a:p>
-          <a:p>
-            <a:pPr marL="0" lvl="0" indent="0">
-              <a:lnSpc>
-                <a:spcPct val="100000"/>
-              </a:lnSpc>
-              <a:spcBef>
-                <a:spcPts val="0"/>
-              </a:spcBef>
-              <a:buNone/>
-              <a:defRPr/>
-            </a:pPr>
-            <a:r>
+              <a:t>Voice Command Data Entry</a:t>
+            </a:r>
+            <a:br>
               <a:rPr lang="en-US" dirty="0">
                 <a:latin typeface="Arial Rounded MT Bold" charset="0"/>
                 <a:ea typeface="Arial Rounded MT Bold" charset="0"/>
                 <a:cs typeface="Arial Rounded MT Bold" charset="0"/>
               </a:rPr>
-              <a:t>P value = </a:t>
-            </a:r>
-            <a:r>
-              <a:rPr lang="en-US" dirty="0" smtClean="0">
+            </a:br>
+            <a:r>
+              <a:rPr lang="en-US" dirty="0">
                 <a:latin typeface="Arial Rounded MT Bold" charset="0"/>
                 <a:ea typeface="Arial Rounded MT Bold" charset="0"/>
                 <a:cs typeface="Arial Rounded MT Bold" charset="0"/>
               </a:rPr>
-              <a:t>.21</a:t>
-            </a:r>
-            <a:endParaRPr lang="en-US" dirty="0">
-              <a:latin typeface="Arial Rounded MT Bold" charset="0"/>
-              <a:ea typeface="Arial Rounded MT Bold" charset="0"/>
-              <a:cs typeface="Arial Rounded MT Bold" charset="0"/>
-            </a:endParaRPr>
-          </a:p>
-          <a:p>
-            <a:pPr marL="0" indent="0">
-              <a:buNone/>
-            </a:pPr>
-            <a:endParaRPr lang="en-US" dirty="0"/>
-          </a:p>
-        </p:txBody>
-      </p:sp>
+              <a:t>Laptop Mic</a:t>
+            </a:r>
+          </a:p>
+        </p:txBody>
+      </p:sp>
+      <p:pic>
+        <p:nvPicPr>
+          <p:cNvPr id="5" name="Picture 4"/>
+          <p:cNvPicPr>
+            <a:picLocks noChangeAspect="1"/>
+          </p:cNvPicPr>
+          <p:nvPr/>
+        </p:nvPicPr>
+        <p:blipFill>
+          <a:blip r:embed="rId2">
+            <a:extLst>
+              <a:ext uri="{28A0092B-C50C-407E-A947-70E740481C1C}">
+                <a14:useLocalDpi xmlns:a14="http://schemas.microsoft.com/office/drawing/2010/main" val="0"/>
+              </a:ext>
+            </a:extLst>
+          </a:blip>
+          <a:stretch>
+            <a:fillRect/>
+          </a:stretch>
+        </p:blipFill>
+        <p:spPr>
+          <a:xfrm>
+            <a:off x="1905639" y="4704796"/>
+            <a:ext cx="8380722" cy="712973"/>
+          </a:xfrm>
+          <a:prstGeom prst="rect">
+            <a:avLst/>
+          </a:prstGeom>
+        </p:spPr>
+      </p:pic>
+      <p:pic>
+        <p:nvPicPr>
+          <p:cNvPr id="6" name="Picture 5"/>
+          <p:cNvPicPr>
+            <a:picLocks noChangeAspect="1"/>
+          </p:cNvPicPr>
+          <p:nvPr/>
+        </p:nvPicPr>
+        <p:blipFill>
+          <a:blip r:embed="rId3">
+            <a:extLst>
+              <a:ext uri="{28A0092B-C50C-407E-A947-70E740481C1C}">
+                <a14:useLocalDpi xmlns:a14="http://schemas.microsoft.com/office/drawing/2010/main" val="0"/>
+              </a:ext>
+            </a:extLst>
+          </a:blip>
+          <a:stretch>
+            <a:fillRect/>
+          </a:stretch>
+        </p:blipFill>
+        <p:spPr>
+          <a:xfrm>
+            <a:off x="1905639" y="5624993"/>
+            <a:ext cx="8380722" cy="715511"/>
+          </a:xfrm>
+          <a:prstGeom prst="rect">
+            <a:avLst/>
+          </a:prstGeom>
+        </p:spPr>
+      </p:pic>
+      <p:sp>
+        <p:nvSpPr>
+          <p:cNvPr id="7" name="TextBox 6"/>
+          <p:cNvSpPr txBox="1"/>
+          <p:nvPr/>
+        </p:nvSpPr>
+        <p:spPr>
+          <a:xfrm>
+            <a:off x="1905639" y="6396335"/>
+            <a:ext cx="8380722" cy="461665"/>
+          </a:xfrm>
+          <a:prstGeom prst="rect">
+            <a:avLst/>
+          </a:prstGeom>
+          <a:noFill/>
+        </p:spPr>
+        <p:txBody>
+          <a:bodyPr wrap="square" rtlCol="0">
+            <a:spAutoFit/>
+          </a:bodyPr>
+          <a:lstStyle/>
+          <a:p>
+            <a:pPr algn="r"/>
+            <a:r>
+              <a:rPr lang="en-US" sz="2400" dirty="0"/>
+              <a:t>Optimal Number of Commands = 22</a:t>
+            </a:r>
+          </a:p>
+        </p:txBody>
+      </p:sp>
+      <p:pic>
+        <p:nvPicPr>
+          <p:cNvPr id="3" name="Picture 2"/>
+          <p:cNvPicPr>
+            <a:picLocks noChangeAspect="1"/>
+          </p:cNvPicPr>
+          <p:nvPr/>
+        </p:nvPicPr>
+        <p:blipFill>
+          <a:blip r:embed="rId4">
+            <a:extLst>
+              <a:ext uri="{28A0092B-C50C-407E-A947-70E740481C1C}">
+                <a14:useLocalDpi xmlns:a14="http://schemas.microsoft.com/office/drawing/2010/main" val="0"/>
+              </a:ext>
+            </a:extLst>
+          </a:blip>
+          <a:stretch>
+            <a:fillRect/>
+          </a:stretch>
+        </p:blipFill>
+        <p:spPr>
+          <a:xfrm>
+            <a:off x="1905638" y="1700204"/>
+            <a:ext cx="8380723" cy="2605312"/>
+          </a:xfrm>
+          <a:prstGeom prst="rect">
+            <a:avLst/>
+          </a:prstGeom>
+        </p:spPr>
+      </p:pic>
     </p:spTree>
     <p:extLst>
       <p:ext uri="{BB962C8B-B14F-4D97-AF65-F5344CB8AC3E}">
-        <p14:creationId xmlns:p14="http://schemas.microsoft.com/office/powerpoint/2010/main" val="1787680932"/>
+        <p14:creationId xmlns:p14="http://schemas.microsoft.com/office/powerpoint/2010/main" val="213892400"/>
       </p:ext>
     </p:extLst>
   </p:cSld>
   <p:clrMapOvr>
     <a:masterClrMapping/>
   </p:clrMapOvr>
-  <p:timing>
-    <p:tnLst>
-      <p:par>
-        <p:cTn id="1" dur="indefinite" restart="never" nodeType="tmRoot"/>
-      </p:par>
-    </p:tnLst>
-  </p:timing>
 </p:sld>
 </file>
 
@@ -4122,6 +4001,188 @@
             <p:ph type="title"/>
           </p:nvPr>
         </p:nvSpPr>
+        <p:spPr>
+          <a:xfrm>
+            <a:off x="838200" y="192130"/>
+            <a:ext cx="10515600" cy="1325563"/>
+          </a:xfrm>
+        </p:spPr>
+        <p:txBody>
+          <a:bodyPr/>
+          <a:lstStyle/>
+          <a:p>
+            <a:pPr algn="ctr"/>
+            <a:r>
+              <a:rPr lang="en-US" dirty="0">
+                <a:latin typeface="Arial Rounded MT Bold" charset="0"/>
+                <a:ea typeface="Arial Rounded MT Bold" charset="0"/>
+                <a:cs typeface="Arial Rounded MT Bold" charset="0"/>
+              </a:rPr>
+              <a:t>Voice Commands Data Entry External Mic</a:t>
+            </a:r>
+          </a:p>
+        </p:txBody>
+      </p:sp>
+      <p:pic>
+        <p:nvPicPr>
+          <p:cNvPr id="4" name="Picture 3"/>
+          <p:cNvPicPr>
+            <a:picLocks noChangeAspect="1"/>
+          </p:cNvPicPr>
+          <p:nvPr/>
+        </p:nvPicPr>
+        <p:blipFill>
+          <a:blip r:embed="rId2">
+            <a:extLst>
+              <a:ext uri="{28A0092B-C50C-407E-A947-70E740481C1C}">
+                <a14:useLocalDpi xmlns:a14="http://schemas.microsoft.com/office/drawing/2010/main" val="0"/>
+              </a:ext>
+            </a:extLst>
+          </a:blip>
+          <a:stretch>
+            <a:fillRect/>
+          </a:stretch>
+        </p:blipFill>
+        <p:spPr>
+          <a:xfrm>
+            <a:off x="2293723" y="2051093"/>
+            <a:ext cx="7888244" cy="1972061"/>
+          </a:xfrm>
+          <a:prstGeom prst="rect">
+            <a:avLst/>
+          </a:prstGeom>
+        </p:spPr>
+      </p:pic>
+      <p:pic>
+        <p:nvPicPr>
+          <p:cNvPr id="5" name="Picture 4"/>
+          <p:cNvPicPr>
+            <a:picLocks noChangeAspect="1"/>
+          </p:cNvPicPr>
+          <p:nvPr/>
+        </p:nvPicPr>
+        <p:blipFill>
+          <a:blip r:embed="rId3">
+            <a:extLst>
+              <a:ext uri="{28A0092B-C50C-407E-A947-70E740481C1C}">
+                <a14:useLocalDpi xmlns:a14="http://schemas.microsoft.com/office/drawing/2010/main" val="0"/>
+              </a:ext>
+            </a:extLst>
+          </a:blip>
+          <a:stretch>
+            <a:fillRect/>
+          </a:stretch>
+        </p:blipFill>
+        <p:spPr>
+          <a:xfrm>
+            <a:off x="2293724" y="4374292"/>
+            <a:ext cx="7888244" cy="691977"/>
+          </a:xfrm>
+          <a:prstGeom prst="rect">
+            <a:avLst/>
+          </a:prstGeom>
+        </p:spPr>
+      </p:pic>
+      <p:pic>
+        <p:nvPicPr>
+          <p:cNvPr id="6" name="Picture 5"/>
+          <p:cNvPicPr>
+            <a:picLocks noChangeAspect="1"/>
+          </p:cNvPicPr>
+          <p:nvPr/>
+        </p:nvPicPr>
+        <p:blipFill>
+          <a:blip r:embed="rId4">
+            <a:extLst>
+              <a:ext uri="{28A0092B-C50C-407E-A947-70E740481C1C}">
+                <a14:useLocalDpi xmlns:a14="http://schemas.microsoft.com/office/drawing/2010/main" val="0"/>
+              </a:ext>
+            </a:extLst>
+          </a:blip>
+          <a:stretch>
+            <a:fillRect/>
+          </a:stretch>
+        </p:blipFill>
+        <p:spPr>
+          <a:xfrm>
+            <a:off x="2293723" y="5417407"/>
+            <a:ext cx="7888244" cy="693472"/>
+          </a:xfrm>
+          <a:prstGeom prst="rect">
+            <a:avLst/>
+          </a:prstGeom>
+        </p:spPr>
+      </p:pic>
+      <p:sp>
+        <p:nvSpPr>
+          <p:cNvPr id="7" name="TextBox 6"/>
+          <p:cNvSpPr txBox="1"/>
+          <p:nvPr/>
+        </p:nvSpPr>
+        <p:spPr>
+          <a:xfrm>
+            <a:off x="1905639" y="6396335"/>
+            <a:ext cx="8380722" cy="461665"/>
+          </a:xfrm>
+          <a:prstGeom prst="rect">
+            <a:avLst/>
+          </a:prstGeom>
+          <a:noFill/>
+        </p:spPr>
+        <p:txBody>
+          <a:bodyPr wrap="square" rtlCol="0">
+            <a:spAutoFit/>
+          </a:bodyPr>
+          <a:lstStyle/>
+          <a:p>
+            <a:pPr algn="r"/>
+            <a:r>
+              <a:rPr lang="en-US" sz="2400" dirty="0"/>
+              <a:t>Optimal Number of Commands = 22</a:t>
+            </a:r>
+          </a:p>
+        </p:txBody>
+      </p:sp>
+    </p:spTree>
+    <p:extLst>
+      <p:ext uri="{BB962C8B-B14F-4D97-AF65-F5344CB8AC3E}">
+        <p14:creationId xmlns:p14="http://schemas.microsoft.com/office/powerpoint/2010/main" val="1285730111"/>
+      </p:ext>
+    </p:extLst>
+  </p:cSld>
+  <p:clrMapOvr>
+    <a:masterClrMapping/>
+  </p:clrMapOvr>
+</p:sld>
+</file>
+
+<file path=ppt/slides/slide13.xml><?xml version="1.0" encoding="utf-8"?>
+<p:sld xmlns:a="http://schemas.openxmlformats.org/drawingml/2006/main" xmlns:r="http://schemas.openxmlformats.org/officeDocument/2006/relationships" xmlns:p="http://schemas.openxmlformats.org/presentationml/2006/main">
+  <p:cSld>
+    <p:spTree>
+      <p:nvGrpSpPr>
+        <p:cNvPr id="1" name=""/>
+        <p:cNvGrpSpPr/>
+        <p:nvPr/>
+      </p:nvGrpSpPr>
+      <p:grpSpPr>
+        <a:xfrm>
+          <a:off x="0" y="0"/>
+          <a:ext cx="0" cy="0"/>
+          <a:chOff x="0" y="0"/>
+          <a:chExt cx="0" cy="0"/>
+        </a:xfrm>
+      </p:grpSpPr>
+      <p:sp>
+        <p:nvSpPr>
+          <p:cNvPr id="2" name="Title 1"/>
+          <p:cNvSpPr>
+            <a:spLocks noGrp="1"/>
+          </p:cNvSpPr>
+          <p:nvPr>
+            <p:ph type="title"/>
+          </p:nvPr>
+        </p:nvSpPr>
         <p:spPr/>
         <p:txBody>
           <a:bodyPr/>
@@ -4129,18 +4190,395 @@
           <a:p>
             <a:pPr algn="ctr"/>
             <a:r>
-              <a:rPr lang="en-US" dirty="0" smtClean="0">
+              <a:rPr lang="en-US" dirty="0">
+                <a:latin typeface="Arial Rounded MT Bold" charset="0"/>
+                <a:ea typeface="Arial Rounded MT Bold" charset="0"/>
+                <a:cs typeface="Arial Rounded MT Bold" charset="0"/>
+              </a:rPr>
+              <a:t>External Mic Time vs Laptop Mic Time</a:t>
+            </a:r>
+          </a:p>
+        </p:txBody>
+      </p:sp>
+      <p:sp>
+        <p:nvSpPr>
+          <p:cNvPr id="3" name="Content Placeholder 2"/>
+          <p:cNvSpPr>
+            <a:spLocks noGrp="1"/>
+          </p:cNvSpPr>
+          <p:nvPr>
+            <p:ph idx="1"/>
+          </p:nvPr>
+        </p:nvSpPr>
+        <p:spPr>
+          <a:xfrm>
+            <a:off x="838200" y="1825625"/>
+            <a:ext cx="10752438" cy="4351338"/>
+          </a:xfrm>
+        </p:spPr>
+        <p:txBody>
+          <a:bodyPr/>
+          <a:lstStyle/>
+          <a:p>
+            <a:pPr marL="0" marR="0" lvl="0" indent="0" defTabSz="914400" eaLnBrk="1" fontAlgn="auto" latinLnBrk="0" hangingPunct="1">
+              <a:lnSpc>
+                <a:spcPct val="100000"/>
+              </a:lnSpc>
+              <a:spcBef>
+                <a:spcPts val="0"/>
+              </a:spcBef>
+              <a:spcAft>
+                <a:spcPts val="0"/>
+              </a:spcAft>
+              <a:buClrTx/>
+              <a:buSzTx/>
+              <a:buFontTx/>
+              <a:buNone/>
+              <a:tabLst/>
+              <a:defRPr/>
+            </a:pPr>
+            <a:r>
+              <a:rPr lang="en-US" dirty="0">
+                <a:latin typeface="Arial Rounded MT Bold" charset="0"/>
+                <a:ea typeface="Arial Rounded MT Bold" charset="0"/>
+                <a:cs typeface="Arial Rounded MT Bold" charset="0"/>
+              </a:rPr>
+              <a:t>Null Hypothesis: External Mic Time = Laptop Mic Time</a:t>
+            </a:r>
+          </a:p>
+          <a:p>
+            <a:pPr marL="0" indent="0">
+              <a:lnSpc>
+                <a:spcPct val="100000"/>
+              </a:lnSpc>
+              <a:spcBef>
+                <a:spcPts val="0"/>
+              </a:spcBef>
+              <a:buNone/>
+            </a:pPr>
+            <a:r>
+              <a:rPr lang="en-US" dirty="0">
+                <a:latin typeface="Arial Rounded MT Bold" charset="0"/>
+                <a:ea typeface="Arial Rounded MT Bold" charset="0"/>
+                <a:cs typeface="Arial Rounded MT Bold" charset="0"/>
+              </a:rPr>
+              <a:t>Alternative Hypothesis: External Mic Time &lt; Laptop Mic Time</a:t>
+            </a:r>
+          </a:p>
+          <a:p>
+            <a:pPr marL="0" marR="0" lvl="0" indent="0" defTabSz="914400" eaLnBrk="1" fontAlgn="auto" latinLnBrk="0" hangingPunct="1">
+              <a:lnSpc>
+                <a:spcPct val="100000"/>
+              </a:lnSpc>
+              <a:spcBef>
+                <a:spcPts val="0"/>
+              </a:spcBef>
+              <a:spcAft>
+                <a:spcPts val="0"/>
+              </a:spcAft>
+              <a:buClrTx/>
+              <a:buSzTx/>
+              <a:buFontTx/>
+              <a:buNone/>
+              <a:tabLst/>
+              <a:defRPr/>
+            </a:pPr>
+            <a:endParaRPr lang="en-US" dirty="0">
+              <a:latin typeface="Arial Rounded MT Bold" charset="0"/>
+              <a:ea typeface="Arial Rounded MT Bold" charset="0"/>
+              <a:cs typeface="Arial Rounded MT Bold" charset="0"/>
+            </a:endParaRPr>
+          </a:p>
+          <a:p>
+            <a:pPr marL="0" marR="0" lvl="0" indent="0" defTabSz="914400" eaLnBrk="1" fontAlgn="auto" latinLnBrk="0" hangingPunct="1">
+              <a:lnSpc>
+                <a:spcPct val="100000"/>
+              </a:lnSpc>
+              <a:spcBef>
+                <a:spcPts val="0"/>
+              </a:spcBef>
+              <a:spcAft>
+                <a:spcPts val="0"/>
+              </a:spcAft>
+              <a:buClrTx/>
+              <a:buSzTx/>
+              <a:buFontTx/>
+              <a:buNone/>
+              <a:tabLst/>
+              <a:defRPr/>
+            </a:pPr>
+            <a:r>
+              <a:rPr lang="en-US" dirty="0">
+                <a:latin typeface="Arial Rounded MT Bold" charset="0"/>
+                <a:ea typeface="Arial Rounded MT Bold" charset="0"/>
+                <a:cs typeface="Arial Rounded MT Bold" charset="0"/>
+              </a:rPr>
+              <a:t>t statistic = 6.614</a:t>
+            </a:r>
+          </a:p>
+          <a:p>
+            <a:pPr marL="0" marR="0" lvl="0" indent="0" defTabSz="914400" eaLnBrk="1" fontAlgn="auto" latinLnBrk="0" hangingPunct="1">
+              <a:lnSpc>
+                <a:spcPct val="100000"/>
+              </a:lnSpc>
+              <a:spcBef>
+                <a:spcPts val="0"/>
+              </a:spcBef>
+              <a:spcAft>
+                <a:spcPts val="0"/>
+              </a:spcAft>
+              <a:buClrTx/>
+              <a:buSzTx/>
+              <a:buFontTx/>
+              <a:buNone/>
+              <a:tabLst/>
+              <a:defRPr/>
+            </a:pPr>
+            <a:r>
+              <a:rPr lang="en-US" dirty="0">
+                <a:latin typeface="Arial Rounded MT Bold" charset="0"/>
+                <a:ea typeface="Arial Rounded MT Bold" charset="0"/>
+                <a:cs typeface="Arial Rounded MT Bold" charset="0"/>
+              </a:rPr>
+              <a:t>P value = .000084</a:t>
+            </a:r>
+          </a:p>
+        </p:txBody>
+      </p:sp>
+    </p:spTree>
+    <p:extLst>
+      <p:ext uri="{BB962C8B-B14F-4D97-AF65-F5344CB8AC3E}">
+        <p14:creationId xmlns:p14="http://schemas.microsoft.com/office/powerpoint/2010/main" val="327436901"/>
+      </p:ext>
+    </p:extLst>
+  </p:cSld>
+  <p:clrMapOvr>
+    <a:masterClrMapping/>
+  </p:clrMapOvr>
+</p:sld>
+</file>
+
+<file path=ppt/slides/slide14.xml><?xml version="1.0" encoding="utf-8"?>
+<p:sld xmlns:a="http://schemas.openxmlformats.org/drawingml/2006/main" xmlns:r="http://schemas.openxmlformats.org/officeDocument/2006/relationships" xmlns:p="http://schemas.openxmlformats.org/presentationml/2006/main">
+  <p:cSld>
+    <p:spTree>
+      <p:nvGrpSpPr>
+        <p:cNvPr id="1" name=""/>
+        <p:cNvGrpSpPr/>
+        <p:nvPr/>
+      </p:nvGrpSpPr>
+      <p:grpSpPr>
+        <a:xfrm>
+          <a:off x="0" y="0"/>
+          <a:ext cx="0" cy="0"/>
+          <a:chOff x="0" y="0"/>
+          <a:chExt cx="0" cy="0"/>
+        </a:xfrm>
+      </p:grpSpPr>
+      <p:sp>
+        <p:nvSpPr>
+          <p:cNvPr id="2" name="Title 1"/>
+          <p:cNvSpPr>
+            <a:spLocks noGrp="1"/>
+          </p:cNvSpPr>
+          <p:nvPr>
+            <p:ph type="title"/>
+          </p:nvPr>
+        </p:nvSpPr>
+        <p:spPr/>
+        <p:txBody>
+          <a:bodyPr/>
+          <a:lstStyle/>
+          <a:p>
+            <a:pPr algn="ctr"/>
+            <a:r>
+              <a:rPr lang="en-US" dirty="0">
+                <a:latin typeface="Arial Rounded MT Bold" charset="0"/>
+                <a:ea typeface="Arial Rounded MT Bold" charset="0"/>
+                <a:cs typeface="Arial Rounded MT Bold" charset="0"/>
+              </a:rPr>
+              <a:t>External Mic Commands vs Laptop Mic Commands</a:t>
+            </a:r>
+          </a:p>
+        </p:txBody>
+      </p:sp>
+      <p:sp>
+        <p:nvSpPr>
+          <p:cNvPr id="3" name="Content Placeholder 2"/>
+          <p:cNvSpPr>
+            <a:spLocks noGrp="1"/>
+          </p:cNvSpPr>
+          <p:nvPr>
+            <p:ph idx="1"/>
+          </p:nvPr>
+        </p:nvSpPr>
+        <p:spPr>
+          <a:xfrm>
+            <a:off x="619125" y="1825625"/>
+            <a:ext cx="11153775" cy="4351338"/>
+          </a:xfrm>
+        </p:spPr>
+        <p:txBody>
+          <a:bodyPr/>
+          <a:lstStyle/>
+          <a:p>
+            <a:pPr marL="0" lvl="0" indent="0">
+              <a:lnSpc>
+                <a:spcPct val="100000"/>
+              </a:lnSpc>
+              <a:spcBef>
+                <a:spcPts val="0"/>
+              </a:spcBef>
+              <a:buNone/>
+              <a:defRPr/>
+            </a:pPr>
+            <a:r>
+              <a:rPr lang="en-US" sz="2700" dirty="0">
+                <a:latin typeface="Arial Rounded MT Bold" charset="0"/>
+                <a:ea typeface="Arial Rounded MT Bold" charset="0"/>
+                <a:cs typeface="Arial Rounded MT Bold" charset="0"/>
+              </a:rPr>
+              <a:t>Null Hypothesis: External Mic Commands= Laptop Mic Commands</a:t>
+            </a:r>
+          </a:p>
+          <a:p>
+            <a:pPr marL="0" indent="0">
+              <a:lnSpc>
+                <a:spcPct val="100000"/>
+              </a:lnSpc>
+              <a:spcBef>
+                <a:spcPts val="0"/>
+              </a:spcBef>
+              <a:buNone/>
+            </a:pPr>
+            <a:r>
+              <a:rPr lang="en-US" sz="2700" dirty="0">
+                <a:latin typeface="Arial Rounded MT Bold" charset="0"/>
+                <a:ea typeface="Arial Rounded MT Bold" charset="0"/>
+                <a:cs typeface="Arial Rounded MT Bold" charset="0"/>
+              </a:rPr>
+              <a:t>Alternative Hypothesis: External Mic Commands&gt; Laptop Mic Commands</a:t>
+            </a:r>
+          </a:p>
+          <a:p>
+            <a:pPr marL="0" lvl="0" indent="0">
+              <a:lnSpc>
+                <a:spcPct val="100000"/>
+              </a:lnSpc>
+              <a:spcBef>
+                <a:spcPts val="0"/>
+              </a:spcBef>
+              <a:buNone/>
+              <a:defRPr/>
+            </a:pPr>
+            <a:endParaRPr lang="en-US" dirty="0">
+              <a:latin typeface="Arial Rounded MT Bold" charset="0"/>
+              <a:ea typeface="Arial Rounded MT Bold" charset="0"/>
+              <a:cs typeface="Arial Rounded MT Bold" charset="0"/>
+            </a:endParaRPr>
+          </a:p>
+          <a:p>
+            <a:pPr marL="0" lvl="0" indent="0">
+              <a:lnSpc>
+                <a:spcPct val="100000"/>
+              </a:lnSpc>
+              <a:spcBef>
+                <a:spcPts val="0"/>
+              </a:spcBef>
+              <a:buNone/>
+              <a:defRPr/>
+            </a:pPr>
+            <a:r>
+              <a:rPr lang="en-US" dirty="0">
+                <a:latin typeface="Arial Rounded MT Bold" charset="0"/>
+                <a:ea typeface="Arial Rounded MT Bold" charset="0"/>
+                <a:cs typeface="Arial Rounded MT Bold" charset="0"/>
+              </a:rPr>
+              <a:t>t statistic = .8555</a:t>
+            </a:r>
+          </a:p>
+          <a:p>
+            <a:pPr marL="0" lvl="0" indent="0">
+              <a:lnSpc>
+                <a:spcPct val="100000"/>
+              </a:lnSpc>
+              <a:spcBef>
+                <a:spcPts val="0"/>
+              </a:spcBef>
+              <a:buNone/>
+              <a:defRPr/>
+            </a:pPr>
+            <a:r>
+              <a:rPr lang="en-US" dirty="0">
+                <a:latin typeface="Arial Rounded MT Bold" charset="0"/>
+                <a:ea typeface="Arial Rounded MT Bold" charset="0"/>
+                <a:cs typeface="Arial Rounded MT Bold" charset="0"/>
+              </a:rPr>
+              <a:t>P value = .21</a:t>
+            </a:r>
+          </a:p>
+          <a:p>
+            <a:pPr marL="0" indent="0">
+              <a:buNone/>
+            </a:pPr>
+            <a:endParaRPr lang="en-US" dirty="0"/>
+          </a:p>
+        </p:txBody>
+      </p:sp>
+    </p:spTree>
+    <p:extLst>
+      <p:ext uri="{BB962C8B-B14F-4D97-AF65-F5344CB8AC3E}">
+        <p14:creationId xmlns:p14="http://schemas.microsoft.com/office/powerpoint/2010/main" val="1787680932"/>
+      </p:ext>
+    </p:extLst>
+  </p:cSld>
+  <p:clrMapOvr>
+    <a:masterClrMapping/>
+  </p:clrMapOvr>
+</p:sld>
+</file>
+
+<file path=ppt/slides/slide15.xml><?xml version="1.0" encoding="utf-8"?>
+<p:sld xmlns:a="http://schemas.openxmlformats.org/drawingml/2006/main" xmlns:r="http://schemas.openxmlformats.org/officeDocument/2006/relationships" xmlns:p="http://schemas.openxmlformats.org/presentationml/2006/main">
+  <p:cSld>
+    <p:spTree>
+      <p:nvGrpSpPr>
+        <p:cNvPr id="1" name=""/>
+        <p:cNvGrpSpPr/>
+        <p:nvPr/>
+      </p:nvGrpSpPr>
+      <p:grpSpPr>
+        <a:xfrm>
+          <a:off x="0" y="0"/>
+          <a:ext cx="0" cy="0"/>
+          <a:chOff x="0" y="0"/>
+          <a:chExt cx="0" cy="0"/>
+        </a:xfrm>
+      </p:grpSpPr>
+      <p:sp>
+        <p:nvSpPr>
+          <p:cNvPr id="2" name="Title 1"/>
+          <p:cNvSpPr>
+            <a:spLocks noGrp="1"/>
+          </p:cNvSpPr>
+          <p:nvPr>
+            <p:ph type="title"/>
+          </p:nvPr>
+        </p:nvSpPr>
+        <p:spPr/>
+        <p:txBody>
+          <a:bodyPr/>
+          <a:lstStyle/>
+          <a:p>
+            <a:pPr algn="ctr"/>
+            <a:r>
+              <a:rPr lang="en-US" dirty="0">
                 <a:latin typeface="Arial Rounded MT Bold" charset="0"/>
                 <a:ea typeface="Arial Rounded MT Bold" charset="0"/>
                 <a:cs typeface="Arial Rounded MT Bold" charset="0"/>
               </a:rPr>
               <a:t>SUS For Voice Command Data Entry Laptop Mic</a:t>
             </a:r>
-            <a:endParaRPr lang="en-US" dirty="0">
-              <a:latin typeface="Arial Rounded MT Bold" charset="0"/>
-              <a:ea typeface="Arial Rounded MT Bold" charset="0"/>
-              <a:cs typeface="Arial Rounded MT Bold" charset="0"/>
-            </a:endParaRPr>
           </a:p>
         </p:txBody>
       </p:sp>
@@ -4214,17 +4652,10 @@
   <p:clrMapOvr>
     <a:masterClrMapping/>
   </p:clrMapOvr>
-  <p:timing>
-    <p:tnLst>
-      <p:par>
-        <p:cTn id="1" dur="indefinite" restart="never" nodeType="tmRoot"/>
-      </p:par>
-    </p:tnLst>
-  </p:timing>
 </p:sld>
 </file>
 
-<file path=ppt/slides/slide13.xml><?xml version="1.0" encoding="utf-8"?>
+<file path=ppt/slides/slide16.xml><?xml version="1.0" encoding="utf-8"?>
 <p:sld xmlns:a="http://schemas.openxmlformats.org/drawingml/2006/main" xmlns:r="http://schemas.openxmlformats.org/officeDocument/2006/relationships" xmlns:p="http://schemas.openxmlformats.org/presentationml/2006/main">
   <p:cSld>
     <p:spTree>
@@ -4263,18 +4694,13 @@
           <a:p>
             <a:pPr algn="ctr"/>
             <a:r>
-              <a:rPr lang="en-US" dirty="0" smtClean="0">
+              <a:rPr lang="en-US" dirty="0">
                 <a:latin typeface="Arial Rounded MT Bold" charset="0"/>
                 <a:ea typeface="Arial Rounded MT Bold" charset="0"/>
                 <a:cs typeface="Arial Rounded MT Bold" charset="0"/>
               </a:rPr>
               <a:t>SUS Questions Average w/ Laptop Mic</a:t>
             </a:r>
-            <a:endParaRPr lang="en-US" dirty="0">
-              <a:latin typeface="Arial Rounded MT Bold" charset="0"/>
-              <a:ea typeface="Arial Rounded MT Bold" charset="0"/>
-              <a:cs typeface="Arial Rounded MT Bold" charset="0"/>
-            </a:endParaRPr>
           </a:p>
         </p:txBody>
       </p:sp>
@@ -4318,17 +4744,10 @@
   <p:clrMapOvr>
     <a:masterClrMapping/>
   </p:clrMapOvr>
-  <p:timing>
-    <p:tnLst>
-      <p:par>
-        <p:cTn id="1" dur="indefinite" restart="never" nodeType="tmRoot"/>
-      </p:par>
-    </p:tnLst>
-  </p:timing>
 </p:sld>
 </file>
 
-<file path=ppt/slides/slide14.xml><?xml version="1.0" encoding="utf-8"?>
+<file path=ppt/slides/slide17.xml><?xml version="1.0" encoding="utf-8"?>
 <p:sld xmlns:a="http://schemas.openxmlformats.org/drawingml/2006/main" xmlns:r="http://schemas.openxmlformats.org/officeDocument/2006/relationships" xmlns:p="http://schemas.openxmlformats.org/presentationml/2006/main">
   <p:cSld>
     <p:spTree>
@@ -4367,34 +4786,13 @@
           <a:p>
             <a:pPr algn="ctr"/>
             <a:r>
-              <a:rPr lang="en-US" dirty="0" smtClean="0">
+              <a:rPr lang="en-US" dirty="0">
                 <a:latin typeface="Arial Rounded MT Bold" charset="0"/>
                 <a:ea typeface="Arial Rounded MT Bold" charset="0"/>
                 <a:cs typeface="Arial Rounded MT Bold" charset="0"/>
               </a:rPr>
-              <a:t>SUS Questions </a:t>
-            </a:r>
-            <a:r>
-              <a:rPr lang="en-US" dirty="0" smtClean="0">
-                <a:latin typeface="Arial Rounded MT Bold" charset="0"/>
-                <a:ea typeface="Arial Rounded MT Bold" charset="0"/>
-                <a:cs typeface="Arial Rounded MT Bold" charset="0"/>
-              </a:rPr>
-              <a:t>Average w/ External </a:t>
-            </a:r>
-            <a:r>
-              <a:rPr lang="en-US" dirty="0" smtClean="0">
-                <a:latin typeface="Arial Rounded MT Bold" charset="0"/>
-                <a:ea typeface="Arial Rounded MT Bold" charset="0"/>
-                <a:cs typeface="Arial Rounded MT Bold" charset="0"/>
-              </a:rPr>
-              <a:t>Mic</a:t>
-            </a:r>
-            <a:endParaRPr lang="en-US" dirty="0">
-              <a:latin typeface="Arial Rounded MT Bold" charset="0"/>
-              <a:ea typeface="Arial Rounded MT Bold" charset="0"/>
-              <a:cs typeface="Arial Rounded MT Bold" charset="0"/>
-            </a:endParaRPr>
+              <a:t>SUS Questions Average w/ External Mic</a:t>
+            </a:r>
           </a:p>
         </p:txBody>
       </p:sp>
@@ -4438,17 +4836,10 @@
   <p:clrMapOvr>
     <a:masterClrMapping/>
   </p:clrMapOvr>
-  <p:timing>
-    <p:tnLst>
-      <p:par>
-        <p:cTn id="1" dur="indefinite" restart="never" nodeType="tmRoot"/>
-      </p:par>
-    </p:tnLst>
-  </p:timing>
 </p:sld>
 </file>
 
-<file path=ppt/slides/slide15.xml><?xml version="1.0" encoding="utf-8"?>
+<file path=ppt/slides/slide18.xml><?xml version="1.0" encoding="utf-8"?>
 <p:sld xmlns:a="http://schemas.openxmlformats.org/drawingml/2006/main" xmlns:r="http://schemas.openxmlformats.org/officeDocument/2006/relationships" xmlns:p="http://schemas.openxmlformats.org/presentationml/2006/main">
   <p:cSld>
     <p:spTree>
@@ -4487,18 +4878,13 @@
           <a:p>
             <a:pPr algn="ctr"/>
             <a:r>
-              <a:rPr lang="en-US" dirty="0" smtClean="0">
+              <a:rPr lang="en-US" dirty="0">
                 <a:latin typeface="Arial Rounded MT Bold" charset="0"/>
                 <a:ea typeface="Arial Rounded MT Bold" charset="0"/>
                 <a:cs typeface="Arial Rounded MT Bold" charset="0"/>
               </a:rPr>
               <a:t>Both SUS Scores</a:t>
             </a:r>
-            <a:endParaRPr lang="en-US" dirty="0">
-              <a:latin typeface="Arial Rounded MT Bold" charset="0"/>
-              <a:ea typeface="Arial Rounded MT Bold" charset="0"/>
-              <a:cs typeface="Arial Rounded MT Bold" charset="0"/>
-            </a:endParaRPr>
           </a:p>
         </p:txBody>
       </p:sp>
@@ -4883,7 +5269,7 @@
 </p:sld>
 </file>
 
-<file path=ppt/slides/slide16.xml><?xml version="1.0" encoding="utf-8"?>
+<file path=ppt/slides/slide19.xml><?xml version="1.0" encoding="utf-8"?>
 <p:sld xmlns:a="http://schemas.openxmlformats.org/drawingml/2006/main" xmlns:r="http://schemas.openxmlformats.org/officeDocument/2006/relationships" xmlns:p="http://schemas.openxmlformats.org/presentationml/2006/main">
   <p:cSld>
     <p:spTree>
@@ -4917,18 +5303,13 @@
           <a:p>
             <a:pPr algn="ctr"/>
             <a:r>
-              <a:rPr lang="en-US" dirty="0" smtClean="0">
+              <a:rPr lang="en-US" dirty="0">
                 <a:latin typeface="Arial Rounded MT Bold" charset="0"/>
                 <a:ea typeface="Arial Rounded MT Bold" charset="0"/>
                 <a:cs typeface="Arial Rounded MT Bold" charset="0"/>
               </a:rPr>
               <a:t>Discussion</a:t>
             </a:r>
-            <a:endParaRPr lang="en-US" dirty="0">
-              <a:latin typeface="Arial Rounded MT Bold" charset="0"/>
-              <a:ea typeface="Arial Rounded MT Bold" charset="0"/>
-              <a:cs typeface="Arial Rounded MT Bold" charset="0"/>
-            </a:endParaRPr>
           </a:p>
         </p:txBody>
       </p:sp>
@@ -4948,30 +5329,33 @@
           <a:lstStyle/>
           <a:p>
             <a:r>
-              <a:rPr lang="en-US" dirty="0" smtClean="0"/>
-              <a:t>Widget increases efficiency, if the widget </a:t>
-            </a:r>
-            <a:r>
-              <a:rPr lang="en-US" smtClean="0"/>
-              <a:t>can predict organizations</a:t>
-            </a:r>
-            <a:endParaRPr lang="en-US" dirty="0" smtClean="0"/>
-          </a:p>
-          <a:p>
-            <a:r>
-              <a:rPr lang="en-US" dirty="0" smtClean="0"/>
+              <a:rPr lang="en-US" dirty="0">
+                <a:latin typeface="Arial Rounded MT Bold" panose="020F0704030504030204" pitchFamily="34" charset="0"/>
+              </a:rPr>
+              <a:t>Widget increases efficiency, if the widget can predict organizations</a:t>
+            </a:r>
+          </a:p>
+          <a:p>
+            <a:r>
+              <a:rPr lang="en-US" dirty="0">
+                <a:latin typeface="Arial Rounded MT Bold" panose="020F0704030504030204" pitchFamily="34" charset="0"/>
+              </a:rPr>
               <a:t>Laptop Mic takes more time to enter data than External Mic</a:t>
             </a:r>
           </a:p>
           <a:p>
             <a:r>
-              <a:rPr lang="en-US" dirty="0" smtClean="0"/>
+              <a:rPr lang="en-US" dirty="0">
+                <a:latin typeface="Arial Rounded MT Bold" panose="020F0704030504030204" pitchFamily="34" charset="0"/>
+              </a:rPr>
               <a:t>SUS scores show that people would rather not use voice commands</a:t>
             </a:r>
           </a:p>
           <a:p>
             <a:r>
-              <a:rPr lang="en-US" dirty="0" smtClean="0"/>
+              <a:rPr lang="en-US" dirty="0">
+                <a:latin typeface="Arial Rounded MT Bold" panose="020F0704030504030204" pitchFamily="34" charset="0"/>
+              </a:rPr>
               <a:t>SUS scores show that people find the voice commands easy to use</a:t>
             </a:r>
           </a:p>
@@ -4990,13 +5374,6 @@
   <p:clrMapOvr>
     <a:masterClrMapping/>
   </p:clrMapOvr>
-  <p:timing>
-    <p:tnLst>
-      <p:par>
-        <p:cTn id="1" dur="indefinite" restart="never" nodeType="tmRoot"/>
-      </p:par>
-    </p:tnLst>
-  </p:timing>
 </p:sld>
 </file>
 
@@ -5019,7 +5396,13 @@
       </p:grpSpPr>
       <p:sp>
         <p:nvSpPr>
-          <p:cNvPr id="2" name="Title 1"/>
+          <p:cNvPr id="2" name="Title 1">
+            <a:extLst>
+              <a:ext uri="{FF2B5EF4-FFF2-40B4-BE49-F238E27FC236}">
+                <a16:creationId xmlns:a16="http://schemas.microsoft.com/office/drawing/2014/main" id="{A56C6880-A502-4527-8CE4-9D32CE032FC9}"/>
+              </a:ext>
+            </a:extLst>
+          </p:cNvPr>
           <p:cNvSpPr>
             <a:spLocks noGrp="1"/>
           </p:cNvSpPr>
@@ -5034,24 +5417,23 @@
           <a:p>
             <a:pPr algn="ctr"/>
             <a:r>
-              <a:rPr lang="en-US" dirty="0" smtClean="0">
-                <a:latin typeface="Arial Rounded MT Bold" charset="0"/>
-                <a:ea typeface="Arial Rounded MT Bold" charset="0"/>
-                <a:cs typeface="Arial Rounded MT Bold" charset="0"/>
+              <a:rPr lang="en-US" dirty="0">
+                <a:latin typeface="Arial Rounded MT Bold" panose="020F0704030504030204" pitchFamily="34" charset="0"/>
               </a:rPr>
-              <a:t>Overview of System</a:t>
-            </a:r>
-            <a:endParaRPr lang="en-US" dirty="0">
-              <a:latin typeface="Arial Rounded MT Bold" charset="0"/>
-              <a:ea typeface="Arial Rounded MT Bold" charset="0"/>
-              <a:cs typeface="Arial Rounded MT Bold" charset="0"/>
-            </a:endParaRPr>
-          </a:p>
-        </p:txBody>
-      </p:sp>
-      <p:sp>
-        <p:nvSpPr>
-          <p:cNvPr id="3" name="Content Placeholder 2"/>
+              <a:t>Main Problem</a:t>
+            </a:r>
+          </a:p>
+        </p:txBody>
+      </p:sp>
+      <p:sp>
+        <p:nvSpPr>
+          <p:cNvPr id="3" name="Content Placeholder 2">
+            <a:extLst>
+              <a:ext uri="{FF2B5EF4-FFF2-40B4-BE49-F238E27FC236}">
+                <a16:creationId xmlns:a16="http://schemas.microsoft.com/office/drawing/2014/main" id="{A4FF0916-8955-44F9-8F40-81FC32F5CEBD}"/>
+              </a:ext>
+            </a:extLst>
+          </p:cNvPr>
           <p:cNvSpPr>
             <a:spLocks noGrp="1"/>
           </p:cNvSpPr>
@@ -5064,100 +5446,28 @@
           <a:bodyPr/>
           <a:lstStyle/>
           <a:p>
-            <a:r>
-              <a:rPr lang="en-US" dirty="0" smtClean="0">
-                <a:latin typeface="Arial Rounded MT Bold" charset="0"/>
-                <a:ea typeface="Arial Rounded MT Bold" charset="0"/>
-                <a:cs typeface="Arial Rounded MT Bold" charset="0"/>
+            <a:pPr marL="0" indent="0">
+              <a:buNone/>
+            </a:pPr>
+            <a:r>
+              <a:rPr lang="en-US" dirty="0">
+                <a:latin typeface="Arial Rounded MT Bold" panose="020F0704030504030204" pitchFamily="34" charset="0"/>
               </a:rPr>
-              <a:t>Tracks food categories and weights</a:t>
-            </a:r>
-          </a:p>
-          <a:p>
-            <a:pPr marL="685800" lvl="2">
-              <a:spcBef>
-                <a:spcPts val="1000"/>
-              </a:spcBef>
-            </a:pPr>
-            <a:r>
-              <a:rPr lang="en-US" dirty="0" smtClean="0">
-                <a:latin typeface="Arial Rounded MT Bold" charset="0"/>
-                <a:ea typeface="Arial Rounded MT Bold" charset="0"/>
-                <a:cs typeface="Arial Rounded MT Bold" charset="0"/>
-              </a:rPr>
-              <a:t>Incoming &amp; Outgoing</a:t>
-            </a:r>
-          </a:p>
-          <a:p>
-            <a:r>
-              <a:rPr lang="en-US" dirty="0" smtClean="0">
-                <a:latin typeface="Arial Rounded MT Bold" charset="0"/>
-                <a:ea typeface="Arial Rounded MT Bold" charset="0"/>
-                <a:cs typeface="Arial Rounded MT Bold" charset="0"/>
-              </a:rPr>
-              <a:t>View Reports</a:t>
-            </a:r>
-          </a:p>
-          <a:p>
-            <a:r>
-              <a:rPr lang="en-US" dirty="0" smtClean="0">
-                <a:latin typeface="Arial Rounded MT Bold" charset="0"/>
-                <a:ea typeface="Arial Rounded MT Bold" charset="0"/>
-                <a:cs typeface="Arial Rounded MT Bold" charset="0"/>
-              </a:rPr>
-              <a:t>Look up Organization Information</a:t>
-            </a:r>
-          </a:p>
-          <a:p>
-            <a:endParaRPr lang="en-US" dirty="0" smtClean="0">
-              <a:latin typeface="Arial Rounded MT Bold" charset="0"/>
-              <a:ea typeface="Arial Rounded MT Bold" charset="0"/>
-              <a:cs typeface="Arial Rounded MT Bold" charset="0"/>
-            </a:endParaRPr>
-          </a:p>
-          <a:p>
-            <a:pPr lvl="1"/>
-            <a:endParaRPr lang="en-US" dirty="0">
-              <a:latin typeface="Arial Rounded MT Bold" charset="0"/>
-              <a:ea typeface="Arial Rounded MT Bold" charset="0"/>
-              <a:cs typeface="Arial Rounded MT Bold" charset="0"/>
-            </a:endParaRPr>
-          </a:p>
-          <a:p>
-            <a:pPr lvl="1"/>
-            <a:endParaRPr lang="en-US" dirty="0" smtClean="0">
-              <a:latin typeface="Arial Rounded MT Bold" charset="0"/>
-              <a:ea typeface="Arial Rounded MT Bold" charset="0"/>
-              <a:cs typeface="Arial Rounded MT Bold" charset="0"/>
-            </a:endParaRPr>
-          </a:p>
-          <a:p>
-            <a:pPr lvl="1"/>
-            <a:endParaRPr lang="en-US" dirty="0">
-              <a:latin typeface="Arial Rounded MT Bold" charset="0"/>
-              <a:ea typeface="Arial Rounded MT Bold" charset="0"/>
-              <a:cs typeface="Arial Rounded MT Bold" charset="0"/>
-            </a:endParaRPr>
+              <a:t>Just One More Ministry is a food donation service that is using a complex system called QuickBooks to track all of the organizations that donate/take food from their system. A large portion of the current system is currently unused and will likely remain unused in the future. </a:t>
+            </a:r>
           </a:p>
         </p:txBody>
       </p:sp>
     </p:spTree>
     <p:extLst>
       <p:ext uri="{BB962C8B-B14F-4D97-AF65-F5344CB8AC3E}">
-        <p14:creationId xmlns:p14="http://schemas.microsoft.com/office/powerpoint/2010/main" val="1730208903"/>
+        <p14:creationId xmlns:p14="http://schemas.microsoft.com/office/powerpoint/2010/main" val="2921921513"/>
       </p:ext>
     </p:extLst>
   </p:cSld>
   <p:clrMapOvr>
     <a:masterClrMapping/>
   </p:clrMapOvr>
-  <p:timing>
-    <p:tnLst>
-      <p:par>
-        <p:cTn id="1" dur="indefinite" restart="never" nodeType="tmRoot"/>
-      </p:par>
-    </p:tnLst>
-  </p:timing>
 </p:sld>
 </file>
 
@@ -5180,7 +5490,13 @@
       </p:grpSpPr>
       <p:sp>
         <p:nvSpPr>
-          <p:cNvPr id="2" name="Title 1"/>
+          <p:cNvPr id="2" name="Title 1">
+            <a:extLst>
+              <a:ext uri="{FF2B5EF4-FFF2-40B4-BE49-F238E27FC236}">
+                <a16:creationId xmlns:a16="http://schemas.microsoft.com/office/drawing/2014/main" id="{5332AB0E-02D7-476D-B687-1483CFE3F651}"/>
+              </a:ext>
+            </a:extLst>
+          </p:cNvPr>
           <p:cNvSpPr>
             <a:spLocks noGrp="1"/>
           </p:cNvSpPr>
@@ -5195,24 +5511,23 @@
           <a:p>
             <a:pPr algn="ctr"/>
             <a:r>
-              <a:rPr lang="en-US" dirty="0" smtClean="0">
-                <a:latin typeface="Arial Rounded MT Bold" charset="0"/>
-                <a:ea typeface="Arial Rounded MT Bold" charset="0"/>
-                <a:cs typeface="Arial Rounded MT Bold" charset="0"/>
+              <a:rPr lang="en-US" dirty="0">
+                <a:latin typeface="Arial Rounded MT Bold" panose="020F0704030504030204" pitchFamily="34" charset="0"/>
               </a:rPr>
-              <a:t>Testing User Data Entry</a:t>
-            </a:r>
-            <a:endParaRPr lang="en-US" dirty="0">
-              <a:latin typeface="Arial Rounded MT Bold" charset="0"/>
-              <a:ea typeface="Arial Rounded MT Bold" charset="0"/>
-              <a:cs typeface="Arial Rounded MT Bold" charset="0"/>
-            </a:endParaRPr>
-          </a:p>
-        </p:txBody>
-      </p:sp>
-      <p:sp>
-        <p:nvSpPr>
-          <p:cNvPr id="3" name="Content Placeholder 2"/>
+              <a:t>Goal</a:t>
+            </a:r>
+          </a:p>
+        </p:txBody>
+      </p:sp>
+      <p:sp>
+        <p:nvSpPr>
+          <p:cNvPr id="3" name="Content Placeholder 2">
+            <a:extLst>
+              <a:ext uri="{FF2B5EF4-FFF2-40B4-BE49-F238E27FC236}">
+                <a16:creationId xmlns:a16="http://schemas.microsoft.com/office/drawing/2014/main" id="{31EE38AA-FA16-4C84-AA16-F3F15A24EB76}"/>
+              </a:ext>
+            </a:extLst>
+          </p:cNvPr>
           <p:cNvSpPr>
             <a:spLocks noGrp="1"/>
           </p:cNvSpPr>
@@ -5225,88 +5540,14 @@
           <a:bodyPr/>
           <a:lstStyle/>
           <a:p>
-            <a:r>
-              <a:rPr lang="en-US" dirty="0" smtClean="0">
-                <a:latin typeface="Arial Rounded MT Bold" charset="0"/>
-                <a:ea typeface="Arial Rounded MT Bold" charset="0"/>
-                <a:cs typeface="Arial Rounded MT Bold" charset="0"/>
+            <a:pPr marL="0" indent="0">
+              <a:buNone/>
+            </a:pPr>
+            <a:r>
+              <a:rPr lang="en-US" dirty="0">
+                <a:latin typeface="Arial Rounded MT Bold" panose="020F0704030504030204" pitchFamily="34" charset="0"/>
               </a:rPr>
-              <a:t>Manual Data Entry</a:t>
-            </a:r>
-          </a:p>
-          <a:p>
-            <a:pPr lvl="1"/>
-            <a:r>
-              <a:rPr lang="en-US" dirty="0" smtClean="0">
-                <a:latin typeface="Arial Rounded MT Bold" charset="0"/>
-                <a:ea typeface="Arial Rounded MT Bold" charset="0"/>
-                <a:cs typeface="Arial Rounded MT Bold" charset="0"/>
-              </a:rPr>
-              <a:t>Time</a:t>
-            </a:r>
-          </a:p>
-          <a:p>
-            <a:r>
-              <a:rPr lang="en-US" dirty="0" smtClean="0">
-                <a:latin typeface="Arial Rounded MT Bold" charset="0"/>
-                <a:ea typeface="Arial Rounded MT Bold" charset="0"/>
-                <a:cs typeface="Arial Rounded MT Bold" charset="0"/>
-              </a:rPr>
-              <a:t>Smart Widget</a:t>
-            </a:r>
-          </a:p>
-          <a:p>
-            <a:pPr lvl="1"/>
-            <a:r>
-              <a:rPr lang="en-US" dirty="0" smtClean="0">
-                <a:latin typeface="Arial Rounded MT Bold" charset="0"/>
-                <a:ea typeface="Arial Rounded MT Bold" charset="0"/>
-                <a:cs typeface="Arial Rounded MT Bold" charset="0"/>
-              </a:rPr>
-              <a:t>Time</a:t>
-            </a:r>
-          </a:p>
-          <a:p>
-            <a:r>
-              <a:rPr lang="en-US" dirty="0" smtClean="0">
-                <a:latin typeface="Arial Rounded MT Bold" charset="0"/>
-                <a:ea typeface="Arial Rounded MT Bold" charset="0"/>
-                <a:cs typeface="Arial Rounded MT Bold" charset="0"/>
-              </a:rPr>
-              <a:t>Voice Commands</a:t>
-            </a:r>
-          </a:p>
-          <a:p>
-            <a:pPr lvl="1"/>
-            <a:r>
-              <a:rPr lang="en-US" dirty="0" smtClean="0">
-                <a:latin typeface="Arial Rounded MT Bold" charset="0"/>
-                <a:ea typeface="Arial Rounded MT Bold" charset="0"/>
-                <a:cs typeface="Arial Rounded MT Bold" charset="0"/>
-              </a:rPr>
-              <a:t>Time </a:t>
-            </a:r>
-          </a:p>
-          <a:p>
-            <a:pPr lvl="1"/>
-            <a:r>
-              <a:rPr lang="en-US" dirty="0" smtClean="0">
-                <a:latin typeface="Arial Rounded MT Bold" charset="0"/>
-                <a:ea typeface="Arial Rounded MT Bold" charset="0"/>
-                <a:cs typeface="Arial Rounded MT Bold" charset="0"/>
-              </a:rPr>
-              <a:t># of Commands</a:t>
-            </a:r>
-          </a:p>
-          <a:p>
-            <a:pPr lvl="1"/>
-            <a:r>
-              <a:rPr lang="en-US" dirty="0" smtClean="0">
-                <a:latin typeface="Arial Rounded MT Bold" charset="0"/>
-                <a:ea typeface="Arial Rounded MT Bold" charset="0"/>
-                <a:cs typeface="Arial Rounded MT Bold" charset="0"/>
-              </a:rPr>
-              <a:t>SUS</a:t>
+              <a:t>Simplify the tracking system for Just One More Ministry so that all of their required functionality is present and extra unnecessary features are removed</a:t>
             </a:r>
           </a:p>
         </p:txBody>
@@ -5314,20 +5555,13 @@
     </p:spTree>
     <p:extLst>
       <p:ext uri="{BB962C8B-B14F-4D97-AF65-F5344CB8AC3E}">
-        <p14:creationId xmlns:p14="http://schemas.microsoft.com/office/powerpoint/2010/main" val="873918164"/>
+        <p14:creationId xmlns:p14="http://schemas.microsoft.com/office/powerpoint/2010/main" val="2327145440"/>
       </p:ext>
     </p:extLst>
   </p:cSld>
   <p:clrMapOvr>
     <a:masterClrMapping/>
   </p:clrMapOvr>
-  <p:timing>
-    <p:tnLst>
-      <p:par>
-        <p:cTn id="1" dur="indefinite" restart="never" nodeType="tmRoot"/>
-      </p:par>
-    </p:tnLst>
-  </p:timing>
 </p:sld>
 </file>
 
@@ -5350,6 +5584,313 @@
       </p:grpSpPr>
       <p:sp>
         <p:nvSpPr>
+          <p:cNvPr id="2" name="Title 1">
+            <a:extLst>
+              <a:ext uri="{FF2B5EF4-FFF2-40B4-BE49-F238E27FC236}">
+                <a16:creationId xmlns:a16="http://schemas.microsoft.com/office/drawing/2014/main" id="{5178A4D5-9EA3-4D91-A49D-CD91539BFCDB}"/>
+              </a:ext>
+            </a:extLst>
+          </p:cNvPr>
+          <p:cNvSpPr>
+            <a:spLocks noGrp="1"/>
+          </p:cNvSpPr>
+          <p:nvPr>
+            <p:ph type="title"/>
+          </p:nvPr>
+        </p:nvSpPr>
+        <p:spPr/>
+        <p:txBody>
+          <a:bodyPr/>
+          <a:lstStyle/>
+          <a:p>
+            <a:pPr algn="ctr"/>
+            <a:r>
+              <a:rPr lang="en-US" dirty="0">
+                <a:latin typeface="Arial Rounded MT Bold" panose="020F0704030504030204" pitchFamily="34" charset="0"/>
+              </a:rPr>
+              <a:t>System Breakdown</a:t>
+            </a:r>
+          </a:p>
+        </p:txBody>
+      </p:sp>
+      <p:sp>
+        <p:nvSpPr>
+          <p:cNvPr id="3" name="Content Placeholder 2">
+            <a:extLst>
+              <a:ext uri="{FF2B5EF4-FFF2-40B4-BE49-F238E27FC236}">
+                <a16:creationId xmlns:a16="http://schemas.microsoft.com/office/drawing/2014/main" id="{9580ABDE-DA4D-410B-910B-BE98D3C2BD40}"/>
+              </a:ext>
+            </a:extLst>
+          </p:cNvPr>
+          <p:cNvSpPr>
+            <a:spLocks noGrp="1"/>
+          </p:cNvSpPr>
+          <p:nvPr>
+            <p:ph idx="1"/>
+          </p:nvPr>
+        </p:nvSpPr>
+        <p:spPr/>
+        <p:txBody>
+          <a:bodyPr/>
+          <a:lstStyle/>
+          <a:p>
+            <a:r>
+              <a:rPr lang="en-US" dirty="0">
+                <a:latin typeface="Arial Rounded MT Bold" panose="020F0704030504030204" pitchFamily="34" charset="0"/>
+              </a:rPr>
+              <a:t>Organizations</a:t>
+            </a:r>
+          </a:p>
+          <a:p>
+            <a:pPr lvl="1"/>
+            <a:r>
+              <a:rPr lang="en-US" dirty="0">
+                <a:latin typeface="Arial Rounded MT Bold" panose="020F0704030504030204" pitchFamily="34" charset="0"/>
+              </a:rPr>
+              <a:t>Add new organizations</a:t>
+            </a:r>
+          </a:p>
+          <a:p>
+            <a:pPr lvl="1"/>
+            <a:r>
+              <a:rPr lang="en-US" dirty="0">
+                <a:latin typeface="Arial Rounded MT Bold" panose="020F0704030504030204" pitchFamily="34" charset="0"/>
+              </a:rPr>
+              <a:t>Edit and delete existing organizations</a:t>
+            </a:r>
+          </a:p>
+          <a:p>
+            <a:r>
+              <a:rPr lang="en-US" dirty="0">
+                <a:latin typeface="Arial Rounded MT Bold" panose="020F0704030504030204" pitchFamily="34" charset="0"/>
+              </a:rPr>
+              <a:t>Donations</a:t>
+            </a:r>
+          </a:p>
+          <a:p>
+            <a:pPr lvl="1"/>
+            <a:r>
+              <a:rPr lang="en-US" dirty="0">
+                <a:latin typeface="Arial Rounded MT Bold" panose="020F0704030504030204" pitchFamily="34" charset="0"/>
+              </a:rPr>
+              <a:t>Enter donations</a:t>
+            </a:r>
+          </a:p>
+          <a:p>
+            <a:pPr lvl="1"/>
+            <a:r>
+              <a:rPr lang="en-US" dirty="0">
+                <a:latin typeface="Arial Rounded MT Bold" panose="020F0704030504030204" pitchFamily="34" charset="0"/>
+              </a:rPr>
+              <a:t>Edit and delete previous donations</a:t>
+            </a:r>
+          </a:p>
+          <a:p>
+            <a:r>
+              <a:rPr lang="en-US" dirty="0">
+                <a:latin typeface="Arial Rounded MT Bold" panose="020F0704030504030204" pitchFamily="34" charset="0"/>
+              </a:rPr>
+              <a:t>Reports</a:t>
+            </a:r>
+          </a:p>
+          <a:p>
+            <a:pPr lvl="1"/>
+            <a:r>
+              <a:rPr lang="en-US" dirty="0">
+                <a:latin typeface="Arial Rounded MT Bold" panose="020F0704030504030204" pitchFamily="34" charset="0"/>
+              </a:rPr>
+              <a:t>Generate reports based on a weekly, monthly or yearly format</a:t>
+            </a:r>
+          </a:p>
+        </p:txBody>
+      </p:sp>
+    </p:spTree>
+    <p:extLst>
+      <p:ext uri="{BB962C8B-B14F-4D97-AF65-F5344CB8AC3E}">
+        <p14:creationId xmlns:p14="http://schemas.microsoft.com/office/powerpoint/2010/main" val="3063132348"/>
+      </p:ext>
+    </p:extLst>
+  </p:cSld>
+  <p:clrMapOvr>
+    <a:masterClrMapping/>
+  </p:clrMapOvr>
+</p:sld>
+</file>
+
+<file path=ppt/slides/slide5.xml><?xml version="1.0" encoding="utf-8"?>
+<p:sld xmlns:a="http://schemas.openxmlformats.org/drawingml/2006/main" xmlns:r="http://schemas.openxmlformats.org/officeDocument/2006/relationships" xmlns:p="http://schemas.openxmlformats.org/presentationml/2006/main">
+  <p:cSld>
+    <p:spTree>
+      <p:nvGrpSpPr>
+        <p:cNvPr id="1" name=""/>
+        <p:cNvGrpSpPr/>
+        <p:nvPr/>
+      </p:nvGrpSpPr>
+      <p:grpSpPr>
+        <a:xfrm>
+          <a:off x="0" y="0"/>
+          <a:ext cx="0" cy="0"/>
+          <a:chOff x="0" y="0"/>
+          <a:chExt cx="0" cy="0"/>
+        </a:xfrm>
+      </p:grpSpPr>
+      <p:sp>
+        <p:nvSpPr>
+          <p:cNvPr id="2" name="Title 1">
+            <a:extLst>
+              <a:ext uri="{FF2B5EF4-FFF2-40B4-BE49-F238E27FC236}">
+                <a16:creationId xmlns:a16="http://schemas.microsoft.com/office/drawing/2014/main" id="{8826893D-892F-48EF-B3B3-013B0FF629EE}"/>
+              </a:ext>
+            </a:extLst>
+          </p:cNvPr>
+          <p:cNvSpPr>
+            <a:spLocks noGrp="1"/>
+          </p:cNvSpPr>
+          <p:nvPr>
+            <p:ph type="title"/>
+          </p:nvPr>
+        </p:nvSpPr>
+        <p:spPr/>
+        <p:txBody>
+          <a:bodyPr/>
+          <a:lstStyle/>
+          <a:p>
+            <a:pPr algn="ctr"/>
+            <a:r>
+              <a:rPr lang="en-US" dirty="0">
+                <a:latin typeface="Arial Rounded MT Bold" panose="020F0704030504030204" pitchFamily="34" charset="0"/>
+              </a:rPr>
+              <a:t>Added Features</a:t>
+            </a:r>
+          </a:p>
+        </p:txBody>
+      </p:sp>
+      <p:sp>
+        <p:nvSpPr>
+          <p:cNvPr id="3" name="Content Placeholder 2">
+            <a:extLst>
+              <a:ext uri="{FF2B5EF4-FFF2-40B4-BE49-F238E27FC236}">
+                <a16:creationId xmlns:a16="http://schemas.microsoft.com/office/drawing/2014/main" id="{161F0BC0-4D47-4274-9066-4F64B37F2705}"/>
+              </a:ext>
+            </a:extLst>
+          </p:cNvPr>
+          <p:cNvSpPr>
+            <a:spLocks noGrp="1"/>
+          </p:cNvSpPr>
+          <p:nvPr>
+            <p:ph idx="1"/>
+          </p:nvPr>
+        </p:nvSpPr>
+        <p:spPr/>
+        <p:txBody>
+          <a:bodyPr>
+            <a:normAutofit fontScale="92500" lnSpcReduction="20000"/>
+          </a:bodyPr>
+          <a:lstStyle/>
+          <a:p>
+            <a:pPr marL="0" indent="0">
+              <a:buNone/>
+            </a:pPr>
+            <a:r>
+              <a:rPr lang="en-US" dirty="0">
+                <a:latin typeface="Arial Rounded MT Bold" panose="020F0704030504030204" pitchFamily="34" charset="0"/>
+              </a:rPr>
+              <a:t>For logged in users, the system enables some helpful tools to streamline the process</a:t>
+            </a:r>
+          </a:p>
+          <a:p>
+            <a:pPr marL="0" indent="0">
+              <a:buNone/>
+            </a:pPr>
+            <a:endParaRPr lang="en-US" dirty="0">
+              <a:latin typeface="Arial Rounded MT Bold" panose="020F0704030504030204" pitchFamily="34" charset="0"/>
+            </a:endParaRPr>
+          </a:p>
+          <a:p>
+            <a:r>
+              <a:rPr lang="en-US" dirty="0">
+                <a:latin typeface="Arial Rounded MT Bold" panose="020F0704030504030204" pitchFamily="34" charset="0"/>
+              </a:rPr>
+              <a:t>Collaborative Filtering</a:t>
+            </a:r>
+          </a:p>
+          <a:p>
+            <a:pPr lvl="1"/>
+            <a:r>
+              <a:rPr lang="en-US" dirty="0">
+                <a:latin typeface="Arial Rounded MT Bold" panose="020F0704030504030204" pitchFamily="34" charset="0"/>
+              </a:rPr>
+              <a:t>For each organization, the input donation form rearranges the food categories in descending order based on the total weights entered</a:t>
+            </a:r>
+          </a:p>
+          <a:p>
+            <a:r>
+              <a:rPr lang="en-US" dirty="0">
+                <a:latin typeface="Arial Rounded MT Bold" panose="020F0704030504030204" pitchFamily="34" charset="0"/>
+              </a:rPr>
+              <a:t>Smart Widget</a:t>
+            </a:r>
+          </a:p>
+          <a:p>
+            <a:pPr lvl="1"/>
+            <a:r>
+              <a:rPr lang="en-US" dirty="0">
+                <a:latin typeface="Arial Rounded MT Bold" panose="020F0704030504030204" pitchFamily="34" charset="0"/>
+              </a:rPr>
+              <a:t>After a month of observing the donation process, a suggestion widget will attempt to predict the order of the organizations that come on a daily basis</a:t>
+            </a:r>
+          </a:p>
+          <a:p>
+            <a:r>
+              <a:rPr lang="en-US" dirty="0">
+                <a:latin typeface="Arial Rounded MT Bold" panose="020F0704030504030204" pitchFamily="34" charset="0"/>
+              </a:rPr>
+              <a:t>Voice Commands</a:t>
+            </a:r>
+          </a:p>
+          <a:p>
+            <a:pPr lvl="1"/>
+            <a:r>
+              <a:rPr lang="en-US" dirty="0">
+                <a:latin typeface="Arial Rounded MT Bold" panose="020F0704030504030204" pitchFamily="34" charset="0"/>
+              </a:rPr>
+              <a:t>Ability to navigate through the various sections of the system and input donations using the Smart Widget</a:t>
+            </a:r>
+          </a:p>
+        </p:txBody>
+      </p:sp>
+    </p:spTree>
+    <p:extLst>
+      <p:ext uri="{BB962C8B-B14F-4D97-AF65-F5344CB8AC3E}">
+        <p14:creationId xmlns:p14="http://schemas.microsoft.com/office/powerpoint/2010/main" val="3338964903"/>
+      </p:ext>
+    </p:extLst>
+  </p:cSld>
+  <p:clrMapOvr>
+    <a:masterClrMapping/>
+  </p:clrMapOvr>
+</p:sld>
+</file>
+
+<file path=ppt/slides/slide6.xml><?xml version="1.0" encoding="utf-8"?>
+<p:sld xmlns:a="http://schemas.openxmlformats.org/drawingml/2006/main" xmlns:r="http://schemas.openxmlformats.org/officeDocument/2006/relationships" xmlns:p="http://schemas.openxmlformats.org/presentationml/2006/main">
+  <p:cSld>
+    <p:spTree>
+      <p:nvGrpSpPr>
+        <p:cNvPr id="1" name=""/>
+        <p:cNvGrpSpPr/>
+        <p:nvPr/>
+      </p:nvGrpSpPr>
+      <p:grpSpPr>
+        <a:xfrm>
+          <a:off x="0" y="0"/>
+          <a:ext cx="0" cy="0"/>
+          <a:chOff x="0" y="0"/>
+          <a:chExt cx="0" cy="0"/>
+        </a:xfrm>
+      </p:grpSpPr>
+      <p:sp>
+        <p:nvSpPr>
           <p:cNvPr id="2" name="Title 1"/>
           <p:cNvSpPr>
             <a:spLocks noGrp="1"/>
@@ -5365,18 +5906,194 @@
           <a:p>
             <a:pPr algn="ctr"/>
             <a:r>
-              <a:rPr lang="en-US" dirty="0" smtClean="0">
+              <a:rPr lang="en-US" dirty="0">
+                <a:latin typeface="Arial Rounded MT Bold" charset="0"/>
+                <a:ea typeface="Arial Rounded MT Bold" charset="0"/>
+                <a:cs typeface="Arial Rounded MT Bold" charset="0"/>
+              </a:rPr>
+              <a:t>Evaluation</a:t>
+            </a:r>
+          </a:p>
+        </p:txBody>
+      </p:sp>
+      <p:sp>
+        <p:nvSpPr>
+          <p:cNvPr id="3" name="Content Placeholder 2"/>
+          <p:cNvSpPr>
+            <a:spLocks noGrp="1"/>
+          </p:cNvSpPr>
+          <p:nvPr>
+            <p:ph idx="1"/>
+          </p:nvPr>
+        </p:nvSpPr>
+        <p:spPr/>
+        <p:txBody>
+          <a:bodyPr>
+            <a:normAutofit lnSpcReduction="10000"/>
+          </a:bodyPr>
+          <a:lstStyle/>
+          <a:p>
+            <a:r>
+              <a:rPr lang="en-US" dirty="0">
+                <a:latin typeface="Arial Rounded MT Bold" charset="0"/>
+                <a:ea typeface="Arial Rounded MT Bold" charset="0"/>
+                <a:cs typeface="Arial Rounded MT Bold" charset="0"/>
+              </a:rPr>
+              <a:t>Manual Data Entry (user is not logged in)</a:t>
+            </a:r>
+          </a:p>
+          <a:p>
+            <a:pPr lvl="1"/>
+            <a:r>
+              <a:rPr lang="en-US" dirty="0">
+                <a:latin typeface="Arial Rounded MT Bold" charset="0"/>
+                <a:ea typeface="Arial Rounded MT Bold" charset="0"/>
+                <a:cs typeface="Arial Rounded MT Bold" charset="0"/>
+              </a:rPr>
+              <a:t>Time</a:t>
+            </a:r>
+          </a:p>
+          <a:p>
+            <a:r>
+              <a:rPr lang="en-US" dirty="0">
+                <a:latin typeface="Arial Rounded MT Bold" charset="0"/>
+                <a:ea typeface="Arial Rounded MT Bold" charset="0"/>
+                <a:cs typeface="Arial Rounded MT Bold" charset="0"/>
+              </a:rPr>
+              <a:t>Manual and Smart Widget Data Entry (user is logged in)</a:t>
+            </a:r>
+          </a:p>
+          <a:p>
+            <a:pPr lvl="1"/>
+            <a:r>
+              <a:rPr lang="en-US" dirty="0">
+                <a:latin typeface="Arial Rounded MT Bold" charset="0"/>
+                <a:ea typeface="Arial Rounded MT Bold" charset="0"/>
+                <a:cs typeface="Arial Rounded MT Bold" charset="0"/>
+              </a:rPr>
+              <a:t>Time</a:t>
+            </a:r>
+          </a:p>
+          <a:p>
+            <a:r>
+              <a:rPr lang="en-US" dirty="0">
+                <a:latin typeface="Arial Rounded MT Bold" charset="0"/>
+                <a:ea typeface="Arial Rounded MT Bold" charset="0"/>
+                <a:cs typeface="Arial Rounded MT Bold" charset="0"/>
+              </a:rPr>
+              <a:t>Smart Widget (user is logged in)</a:t>
+            </a:r>
+          </a:p>
+          <a:p>
+            <a:pPr lvl="1"/>
+            <a:r>
+              <a:rPr lang="en-US" dirty="0">
+                <a:latin typeface="Arial Rounded MT Bold" charset="0"/>
+                <a:ea typeface="Arial Rounded MT Bold" charset="0"/>
+                <a:cs typeface="Arial Rounded MT Bold" charset="0"/>
+              </a:rPr>
+              <a:t>Time</a:t>
+            </a:r>
+          </a:p>
+          <a:p>
+            <a:r>
+              <a:rPr lang="en-US" dirty="0">
+                <a:latin typeface="Arial Rounded MT Bold" charset="0"/>
+                <a:ea typeface="Arial Rounded MT Bold" charset="0"/>
+                <a:cs typeface="Arial Rounded MT Bold" charset="0"/>
+              </a:rPr>
+              <a:t>Voice Commands</a:t>
+            </a:r>
+          </a:p>
+          <a:p>
+            <a:pPr lvl="1"/>
+            <a:r>
+              <a:rPr lang="en-US" dirty="0">
+                <a:latin typeface="Arial Rounded MT Bold" charset="0"/>
+                <a:ea typeface="Arial Rounded MT Bold" charset="0"/>
+                <a:cs typeface="Arial Rounded MT Bold" charset="0"/>
+              </a:rPr>
+              <a:t>Time </a:t>
+            </a:r>
+          </a:p>
+          <a:p>
+            <a:pPr lvl="1"/>
+            <a:r>
+              <a:rPr lang="en-US" dirty="0">
+                <a:latin typeface="Arial Rounded MT Bold" charset="0"/>
+                <a:ea typeface="Arial Rounded MT Bold" charset="0"/>
+                <a:cs typeface="Arial Rounded MT Bold" charset="0"/>
+              </a:rPr>
+              <a:t># of Commands</a:t>
+            </a:r>
+          </a:p>
+          <a:p>
+            <a:pPr lvl="1"/>
+            <a:r>
+              <a:rPr lang="en-US" dirty="0">
+                <a:latin typeface="Arial Rounded MT Bold" charset="0"/>
+                <a:ea typeface="Arial Rounded MT Bold" charset="0"/>
+                <a:cs typeface="Arial Rounded MT Bold" charset="0"/>
+              </a:rPr>
+              <a:t>SUS</a:t>
+            </a:r>
+          </a:p>
+        </p:txBody>
+      </p:sp>
+    </p:spTree>
+    <p:extLst>
+      <p:ext uri="{BB962C8B-B14F-4D97-AF65-F5344CB8AC3E}">
+        <p14:creationId xmlns:p14="http://schemas.microsoft.com/office/powerpoint/2010/main" val="873918164"/>
+      </p:ext>
+    </p:extLst>
+  </p:cSld>
+  <p:clrMapOvr>
+    <a:masterClrMapping/>
+  </p:clrMapOvr>
+</p:sld>
+</file>
+
+<file path=ppt/slides/slide7.xml><?xml version="1.0" encoding="utf-8"?>
+<p:sld xmlns:a="http://schemas.openxmlformats.org/drawingml/2006/main" xmlns:r="http://schemas.openxmlformats.org/officeDocument/2006/relationships" xmlns:p="http://schemas.openxmlformats.org/presentationml/2006/main">
+  <p:cSld>
+    <p:spTree>
+      <p:nvGrpSpPr>
+        <p:cNvPr id="1" name=""/>
+        <p:cNvGrpSpPr/>
+        <p:nvPr/>
+      </p:nvGrpSpPr>
+      <p:grpSpPr>
+        <a:xfrm>
+          <a:off x="0" y="0"/>
+          <a:ext cx="0" cy="0"/>
+          <a:chOff x="0" y="0"/>
+          <a:chExt cx="0" cy="0"/>
+        </a:xfrm>
+      </p:grpSpPr>
+      <p:sp>
+        <p:nvSpPr>
+          <p:cNvPr id="2" name="Title 1"/>
+          <p:cNvSpPr>
+            <a:spLocks noGrp="1"/>
+          </p:cNvSpPr>
+          <p:nvPr>
+            <p:ph type="title"/>
+          </p:nvPr>
+        </p:nvSpPr>
+        <p:spPr/>
+        <p:txBody>
+          <a:bodyPr/>
+          <a:lstStyle/>
+          <a:p>
+            <a:pPr algn="ctr"/>
+            <a:r>
+              <a:rPr lang="en-US" dirty="0">
                 <a:latin typeface="Arial Rounded MT Bold" charset="0"/>
                 <a:ea typeface="Arial Rounded MT Bold" charset="0"/>
                 <a:cs typeface="Arial Rounded MT Bold" charset="0"/>
               </a:rPr>
               <a:t>Manual Data Entry Results</a:t>
             </a:r>
-            <a:endParaRPr lang="en-US" dirty="0">
-              <a:latin typeface="Arial Rounded MT Bold" charset="0"/>
-              <a:ea typeface="Arial Rounded MT Bold" charset="0"/>
-              <a:cs typeface="Arial Rounded MT Bold" charset="0"/>
-            </a:endParaRPr>
           </a:p>
         </p:txBody>
       </p:sp>
@@ -5449,17 +6166,10 @@
   <p:clrMapOvr>
     <a:masterClrMapping/>
   </p:clrMapOvr>
-  <p:timing>
-    <p:tnLst>
-      <p:par>
-        <p:cTn id="1" dur="indefinite" restart="never" nodeType="tmRoot"/>
-      </p:par>
-    </p:tnLst>
-  </p:timing>
 </p:sld>
 </file>
 
-<file path=ppt/slides/slide5.xml><?xml version="1.0" encoding="utf-8"?>
+<file path=ppt/slides/slide8.xml><?xml version="1.0" encoding="utf-8"?>
 <p:sld xmlns:a="http://schemas.openxmlformats.org/drawingml/2006/main" xmlns:r="http://schemas.openxmlformats.org/officeDocument/2006/relationships" xmlns:p="http://schemas.openxmlformats.org/presentationml/2006/main">
   <p:cSld>
     <p:spTree>
@@ -5503,31 +6213,7 @@
                 <a:ea typeface="Arial Rounded MT Bold" charset="0"/>
                 <a:cs typeface="Arial Rounded MT Bold" charset="0"/>
               </a:rPr>
-              <a:t>Smart </a:t>
-            </a:r>
-            <a:r>
-              <a:rPr lang="en-US">
-                <a:latin typeface="Arial Rounded MT Bold" charset="0"/>
-                <a:ea typeface="Arial Rounded MT Bold" charset="0"/>
-                <a:cs typeface="Arial Rounded MT Bold" charset="0"/>
-              </a:rPr>
-              <a:t>Widget </a:t>
-            </a:r>
-            <a:r>
-              <a:rPr lang="en-US" smtClean="0">
-                <a:latin typeface="Arial Rounded MT Bold" charset="0"/>
-                <a:ea typeface="Arial Rounded MT Bold" charset="0"/>
-                <a:cs typeface="Arial Rounded MT Bold" charset="0"/>
-              </a:rPr>
-              <a:t>(Two </a:t>
-            </a:r>
-            <a:r>
-              <a:rPr lang="en-US">
-                <a:latin typeface="Arial Rounded MT Bold" charset="0"/>
-                <a:ea typeface="Arial Rounded MT Bold" charset="0"/>
-                <a:cs typeface="Arial Rounded MT Bold" charset="0"/>
-              </a:rPr>
-              <a:t>New Organizations)</a:t>
+              <a:t>Smart Widget (Two New Organizations)</a:t>
             </a:r>
             <a:endParaRPr lang="en-US" dirty="0"/>
           </a:p>
@@ -5603,17 +6289,10 @@
   <p:clrMapOvr>
     <a:masterClrMapping/>
   </p:clrMapOvr>
-  <p:timing>
-    <p:tnLst>
-      <p:par>
-        <p:cTn id="1" dur="indefinite" restart="never" nodeType="tmRoot"/>
-      </p:par>
-    </p:tnLst>
-  </p:timing>
 </p:sld>
 </file>
 
-<file path=ppt/slides/slide6.xml><?xml version="1.0" encoding="utf-8"?>
+<file path=ppt/slides/slide9.xml><?xml version="1.0" encoding="utf-8"?>
 <p:sld xmlns:a="http://schemas.openxmlformats.org/drawingml/2006/main" xmlns:r="http://schemas.openxmlformats.org/officeDocument/2006/relationships" xmlns:p="http://schemas.openxmlformats.org/presentationml/2006/main">
   <p:cSld>
     <p:spTree>
@@ -5652,26 +6331,13 @@
           <a:p>
             <a:pPr algn="ctr"/>
             <a:r>
-              <a:rPr lang="en-US" dirty="0" smtClean="0">
+              <a:rPr lang="en-US" dirty="0">
                 <a:latin typeface="Arial Rounded MT Bold" charset="0"/>
                 <a:ea typeface="Arial Rounded MT Bold" charset="0"/>
                 <a:cs typeface="Arial Rounded MT Bold" charset="0"/>
               </a:rPr>
-              <a:t>Smart Widget </a:t>
-            </a:r>
-            <a:r>
-              <a:rPr lang="en-US" dirty="0" smtClean="0">
-                <a:latin typeface="Arial Rounded MT Bold" charset="0"/>
-                <a:ea typeface="Arial Rounded MT Bold" charset="0"/>
-                <a:cs typeface="Arial Rounded MT Bold" charset="0"/>
-              </a:rPr>
-              <a:t>(No New Organizations)</a:t>
-            </a:r>
-            <a:endParaRPr lang="en-US" dirty="0">
-              <a:latin typeface="Arial Rounded MT Bold" charset="0"/>
-              <a:ea typeface="Arial Rounded MT Bold" charset="0"/>
-              <a:cs typeface="Arial Rounded MT Bold" charset="0"/>
-            </a:endParaRPr>
+              <a:t>Smart Widget (No New Organizations)</a:t>
+            </a:r>
           </a:p>
         </p:txBody>
       </p:sp>
@@ -5745,636 +6411,6 @@
   <p:clrMapOvr>
     <a:masterClrMapping/>
   </p:clrMapOvr>
-  <p:timing>
-    <p:tnLst>
-      <p:par>
-        <p:cTn id="1" dur="indefinite" restart="never" nodeType="tmRoot"/>
-      </p:par>
-    </p:tnLst>
-  </p:timing>
-</p:sld>
-</file>
-
-<file path=ppt/slides/slide7.xml><?xml version="1.0" encoding="utf-8"?>
-<p:sld xmlns:a="http://schemas.openxmlformats.org/drawingml/2006/main" xmlns:r="http://schemas.openxmlformats.org/officeDocument/2006/relationships" xmlns:p="http://schemas.openxmlformats.org/presentationml/2006/main">
-  <p:cSld>
-    <p:spTree>
-      <p:nvGrpSpPr>
-        <p:cNvPr id="1" name=""/>
-        <p:cNvGrpSpPr/>
-        <p:nvPr/>
-      </p:nvGrpSpPr>
-      <p:grpSpPr>
-        <a:xfrm>
-          <a:off x="0" y="0"/>
-          <a:ext cx="0" cy="0"/>
-          <a:chOff x="0" y="0"/>
-          <a:chExt cx="0" cy="0"/>
-        </a:xfrm>
-      </p:grpSpPr>
-      <p:sp>
-        <p:nvSpPr>
-          <p:cNvPr id="2" name="Title 1"/>
-          <p:cNvSpPr>
-            <a:spLocks noGrp="1"/>
-          </p:cNvSpPr>
-          <p:nvPr>
-            <p:ph type="title"/>
-          </p:nvPr>
-        </p:nvSpPr>
-        <p:spPr>
-          <a:xfrm>
-            <a:off x="191385" y="0"/>
-            <a:ext cx="11821297" cy="1325563"/>
-          </a:xfrm>
-        </p:spPr>
-        <p:txBody>
-          <a:bodyPr/>
-          <a:lstStyle/>
-          <a:p>
-            <a:pPr algn="ctr"/>
-            <a:r>
-              <a:rPr lang="en-US" smtClean="0">
-                <a:latin typeface="Arial Rounded MT Bold" charset="0"/>
-                <a:ea typeface="Arial Rounded MT Bold" charset="0"/>
-                <a:cs typeface="Arial Rounded MT Bold" charset="0"/>
-              </a:rPr>
-              <a:t>Smart Widget </a:t>
-            </a:r>
-            <a:r>
-              <a:rPr lang="en-US" dirty="0" smtClean="0">
-                <a:latin typeface="Arial Rounded MT Bold" charset="0"/>
-                <a:ea typeface="Arial Rounded MT Bold" charset="0"/>
-                <a:cs typeface="Arial Rounded MT Bold" charset="0"/>
-              </a:rPr>
-              <a:t>(No New Orgs) vs </a:t>
-            </a:r>
-            <a:r>
-              <a:rPr lang="en-US" dirty="0" smtClean="0">
-                <a:latin typeface="Arial Rounded MT Bold" charset="0"/>
-                <a:ea typeface="Arial Rounded MT Bold" charset="0"/>
-                <a:cs typeface="Arial Rounded MT Bold" charset="0"/>
-              </a:rPr>
-              <a:t>No Widget</a:t>
-            </a:r>
-            <a:endParaRPr lang="en-US" dirty="0">
-              <a:latin typeface="Arial Rounded MT Bold" charset="0"/>
-              <a:ea typeface="Arial Rounded MT Bold" charset="0"/>
-              <a:cs typeface="Arial Rounded MT Bold" charset="0"/>
-            </a:endParaRPr>
-          </a:p>
-        </p:txBody>
-      </p:sp>
-      <p:sp>
-        <p:nvSpPr>
-          <p:cNvPr id="4" name="TextBox 3"/>
-          <p:cNvSpPr txBox="1"/>
-          <p:nvPr/>
-        </p:nvSpPr>
-        <p:spPr>
-          <a:xfrm>
-            <a:off x="191385" y="1424986"/>
-            <a:ext cx="9236819" cy="1200329"/>
-          </a:xfrm>
-          <a:prstGeom prst="rect">
-            <a:avLst/>
-          </a:prstGeom>
-          <a:noFill/>
-        </p:spPr>
-        <p:txBody>
-          <a:bodyPr wrap="square" rtlCol="0">
-            <a:spAutoFit/>
-          </a:bodyPr>
-          <a:lstStyle/>
-          <a:p>
-            <a:r>
-              <a:rPr lang="en-US" sz="2400" dirty="0" smtClean="0">
-                <a:latin typeface="Arial Rounded MT Bold" charset="0"/>
-                <a:ea typeface="Arial Rounded MT Bold" charset="0"/>
-                <a:cs typeface="Arial Rounded MT Bold" charset="0"/>
-              </a:rPr>
-              <a:t>Student’s t Test</a:t>
-            </a:r>
-          </a:p>
-          <a:p>
-            <a:pPr lvl="1"/>
-            <a:r>
-              <a:rPr lang="en-US" sz="2400" dirty="0" smtClean="0">
-                <a:latin typeface="Arial Rounded MT Bold" charset="0"/>
-                <a:ea typeface="Arial Rounded MT Bold" charset="0"/>
-                <a:cs typeface="Arial Rounded MT Bold" charset="0"/>
-              </a:rPr>
-              <a:t>Null Hypothesis: Widget Time = No Widget Time</a:t>
-            </a:r>
-          </a:p>
-          <a:p>
-            <a:pPr lvl="1"/>
-            <a:r>
-              <a:rPr lang="en-US" sz="2400" dirty="0" smtClean="0">
-                <a:latin typeface="Arial Rounded MT Bold" charset="0"/>
-                <a:ea typeface="Arial Rounded MT Bold" charset="0"/>
-                <a:cs typeface="Arial Rounded MT Bold" charset="0"/>
-              </a:rPr>
-              <a:t>Alternative Hypothesis: Widget Time &lt; No Widget Time</a:t>
-            </a:r>
-            <a:endParaRPr lang="en-US" sz="2400" dirty="0">
-              <a:latin typeface="Arial Rounded MT Bold" charset="0"/>
-              <a:ea typeface="Arial Rounded MT Bold" charset="0"/>
-              <a:cs typeface="Arial Rounded MT Bold" charset="0"/>
-            </a:endParaRPr>
-          </a:p>
-        </p:txBody>
-      </p:sp>
-      <p:pic>
-        <p:nvPicPr>
-          <p:cNvPr id="5" name="Picture 4"/>
-          <p:cNvPicPr>
-            <a:picLocks noChangeAspect="1"/>
-          </p:cNvPicPr>
-          <p:nvPr/>
-        </p:nvPicPr>
-        <p:blipFill>
-          <a:blip r:embed="rId2">
-            <a:extLst>
-              <a:ext uri="{28A0092B-C50C-407E-A947-70E740481C1C}">
-                <a14:useLocalDpi xmlns:a14="http://schemas.microsoft.com/office/drawing/2010/main" val="0"/>
-              </a:ext>
-            </a:extLst>
-          </a:blip>
-          <a:stretch>
-            <a:fillRect/>
-          </a:stretch>
-        </p:blipFill>
-        <p:spPr>
-          <a:xfrm>
-            <a:off x="2292267" y="2933938"/>
-            <a:ext cx="8106755" cy="1662775"/>
-          </a:xfrm>
-          <a:prstGeom prst="rect">
-            <a:avLst/>
-          </a:prstGeom>
-        </p:spPr>
-      </p:pic>
-      <p:pic>
-        <p:nvPicPr>
-          <p:cNvPr id="7" name="Picture 6"/>
-          <p:cNvPicPr>
-            <a:picLocks noChangeAspect="1"/>
-          </p:cNvPicPr>
-          <p:nvPr/>
-        </p:nvPicPr>
-        <p:blipFill>
-          <a:blip r:embed="rId3">
-            <a:extLst>
-              <a:ext uri="{28A0092B-C50C-407E-A947-70E740481C1C}">
-                <a14:useLocalDpi xmlns:a14="http://schemas.microsoft.com/office/drawing/2010/main" val="0"/>
-              </a:ext>
-            </a:extLst>
-          </a:blip>
-          <a:stretch>
-            <a:fillRect/>
-          </a:stretch>
-        </p:blipFill>
-        <p:spPr>
-          <a:xfrm>
-            <a:off x="2292267" y="5162369"/>
-            <a:ext cx="8106755" cy="534095"/>
-          </a:xfrm>
-          <a:prstGeom prst="rect">
-            <a:avLst/>
-          </a:prstGeom>
-        </p:spPr>
-      </p:pic>
-    </p:spTree>
-    <p:extLst>
-      <p:ext uri="{BB962C8B-B14F-4D97-AF65-F5344CB8AC3E}">
-        <p14:creationId xmlns:p14="http://schemas.microsoft.com/office/powerpoint/2010/main" val="231883935"/>
-      </p:ext>
-    </p:extLst>
-  </p:cSld>
-  <p:clrMapOvr>
-    <a:masterClrMapping/>
-  </p:clrMapOvr>
-  <p:timing>
-    <p:tnLst>
-      <p:par>
-        <p:cTn id="1" dur="indefinite" restart="never" nodeType="tmRoot"/>
-      </p:par>
-    </p:tnLst>
-  </p:timing>
-</p:sld>
-</file>
-
-<file path=ppt/slides/slide8.xml><?xml version="1.0" encoding="utf-8"?>
-<p:sld xmlns:a="http://schemas.openxmlformats.org/drawingml/2006/main" xmlns:r="http://schemas.openxmlformats.org/officeDocument/2006/relationships" xmlns:p="http://schemas.openxmlformats.org/presentationml/2006/main">
-  <p:cSld>
-    <p:spTree>
-      <p:nvGrpSpPr>
-        <p:cNvPr id="1" name=""/>
-        <p:cNvGrpSpPr/>
-        <p:nvPr/>
-      </p:nvGrpSpPr>
-      <p:grpSpPr>
-        <a:xfrm>
-          <a:off x="0" y="0"/>
-          <a:ext cx="0" cy="0"/>
-          <a:chOff x="0" y="0"/>
-          <a:chExt cx="0" cy="0"/>
-        </a:xfrm>
-      </p:grpSpPr>
-      <p:sp>
-        <p:nvSpPr>
-          <p:cNvPr id="2" name="Title 1"/>
-          <p:cNvSpPr>
-            <a:spLocks noGrp="1"/>
-          </p:cNvSpPr>
-          <p:nvPr>
-            <p:ph type="title"/>
-          </p:nvPr>
-        </p:nvSpPr>
-        <p:spPr>
-          <a:xfrm>
-            <a:off x="838200" y="167417"/>
-            <a:ext cx="10515600" cy="1325563"/>
-          </a:xfrm>
-        </p:spPr>
-        <p:txBody>
-          <a:bodyPr/>
-          <a:lstStyle/>
-          <a:p>
-            <a:pPr algn="ctr"/>
-            <a:r>
-              <a:rPr lang="en-US" dirty="0" smtClean="0">
-                <a:latin typeface="Arial Rounded MT Bold" charset="0"/>
-                <a:ea typeface="Arial Rounded MT Bold" charset="0"/>
-                <a:cs typeface="Arial Rounded MT Bold" charset="0"/>
-              </a:rPr>
-              <a:t>Voice Command Data Entry</a:t>
-            </a:r>
-            <a:br>
-              <a:rPr lang="en-US" dirty="0" smtClean="0">
-                <a:latin typeface="Arial Rounded MT Bold" charset="0"/>
-                <a:ea typeface="Arial Rounded MT Bold" charset="0"/>
-                <a:cs typeface="Arial Rounded MT Bold" charset="0"/>
-              </a:rPr>
-            </a:br>
-            <a:r>
-              <a:rPr lang="en-US" dirty="0" smtClean="0">
-                <a:latin typeface="Arial Rounded MT Bold" charset="0"/>
-                <a:ea typeface="Arial Rounded MT Bold" charset="0"/>
-                <a:cs typeface="Arial Rounded MT Bold" charset="0"/>
-              </a:rPr>
-              <a:t>Laptop Mic</a:t>
-            </a:r>
-            <a:endParaRPr lang="en-US" dirty="0">
-              <a:latin typeface="Arial Rounded MT Bold" charset="0"/>
-              <a:ea typeface="Arial Rounded MT Bold" charset="0"/>
-              <a:cs typeface="Arial Rounded MT Bold" charset="0"/>
-            </a:endParaRPr>
-          </a:p>
-        </p:txBody>
-      </p:sp>
-      <p:pic>
-        <p:nvPicPr>
-          <p:cNvPr id="5" name="Picture 4"/>
-          <p:cNvPicPr>
-            <a:picLocks noChangeAspect="1"/>
-          </p:cNvPicPr>
-          <p:nvPr/>
-        </p:nvPicPr>
-        <p:blipFill>
-          <a:blip r:embed="rId2">
-            <a:extLst>
-              <a:ext uri="{28A0092B-C50C-407E-A947-70E740481C1C}">
-                <a14:useLocalDpi xmlns:a14="http://schemas.microsoft.com/office/drawing/2010/main" val="0"/>
-              </a:ext>
-            </a:extLst>
-          </a:blip>
-          <a:stretch>
-            <a:fillRect/>
-          </a:stretch>
-        </p:blipFill>
-        <p:spPr>
-          <a:xfrm>
-            <a:off x="1905639" y="4704796"/>
-            <a:ext cx="8380722" cy="712973"/>
-          </a:xfrm>
-          <a:prstGeom prst="rect">
-            <a:avLst/>
-          </a:prstGeom>
-        </p:spPr>
-      </p:pic>
-      <p:pic>
-        <p:nvPicPr>
-          <p:cNvPr id="6" name="Picture 5"/>
-          <p:cNvPicPr>
-            <a:picLocks noChangeAspect="1"/>
-          </p:cNvPicPr>
-          <p:nvPr/>
-        </p:nvPicPr>
-        <p:blipFill>
-          <a:blip r:embed="rId3">
-            <a:extLst>
-              <a:ext uri="{28A0092B-C50C-407E-A947-70E740481C1C}">
-                <a14:useLocalDpi xmlns:a14="http://schemas.microsoft.com/office/drawing/2010/main" val="0"/>
-              </a:ext>
-            </a:extLst>
-          </a:blip>
-          <a:stretch>
-            <a:fillRect/>
-          </a:stretch>
-        </p:blipFill>
-        <p:spPr>
-          <a:xfrm>
-            <a:off x="1905639" y="5624993"/>
-            <a:ext cx="8380722" cy="715511"/>
-          </a:xfrm>
-          <a:prstGeom prst="rect">
-            <a:avLst/>
-          </a:prstGeom>
-        </p:spPr>
-      </p:pic>
-      <p:sp>
-        <p:nvSpPr>
-          <p:cNvPr id="7" name="TextBox 6"/>
-          <p:cNvSpPr txBox="1"/>
-          <p:nvPr/>
-        </p:nvSpPr>
-        <p:spPr>
-          <a:xfrm>
-            <a:off x="1905639" y="6396335"/>
-            <a:ext cx="8380722" cy="461665"/>
-          </a:xfrm>
-          <a:prstGeom prst="rect">
-            <a:avLst/>
-          </a:prstGeom>
-          <a:noFill/>
-        </p:spPr>
-        <p:txBody>
-          <a:bodyPr wrap="square" rtlCol="0">
-            <a:spAutoFit/>
-          </a:bodyPr>
-          <a:lstStyle/>
-          <a:p>
-            <a:pPr algn="r"/>
-            <a:r>
-              <a:rPr lang="en-US" sz="2400" dirty="0" smtClean="0"/>
-              <a:t>Optimal Number of Commands = 22</a:t>
-            </a:r>
-            <a:endParaRPr lang="en-US" sz="2400" dirty="0"/>
-          </a:p>
-        </p:txBody>
-      </p:sp>
-      <p:pic>
-        <p:nvPicPr>
-          <p:cNvPr id="3" name="Picture 2"/>
-          <p:cNvPicPr>
-            <a:picLocks noChangeAspect="1"/>
-          </p:cNvPicPr>
-          <p:nvPr/>
-        </p:nvPicPr>
-        <p:blipFill>
-          <a:blip r:embed="rId4">
-            <a:extLst>
-              <a:ext uri="{28A0092B-C50C-407E-A947-70E740481C1C}">
-                <a14:useLocalDpi xmlns:a14="http://schemas.microsoft.com/office/drawing/2010/main" val="0"/>
-              </a:ext>
-            </a:extLst>
-          </a:blip>
-          <a:stretch>
-            <a:fillRect/>
-          </a:stretch>
-        </p:blipFill>
-        <p:spPr>
-          <a:xfrm>
-            <a:off x="1905638" y="1700204"/>
-            <a:ext cx="8380723" cy="2605312"/>
-          </a:xfrm>
-          <a:prstGeom prst="rect">
-            <a:avLst/>
-          </a:prstGeom>
-        </p:spPr>
-      </p:pic>
-    </p:spTree>
-    <p:extLst>
-      <p:ext uri="{BB962C8B-B14F-4D97-AF65-F5344CB8AC3E}">
-        <p14:creationId xmlns:p14="http://schemas.microsoft.com/office/powerpoint/2010/main" val="213892400"/>
-      </p:ext>
-    </p:extLst>
-  </p:cSld>
-  <p:clrMapOvr>
-    <a:masterClrMapping/>
-  </p:clrMapOvr>
-  <p:timing>
-    <p:tnLst>
-      <p:par>
-        <p:cTn id="1" dur="indefinite" restart="never" nodeType="tmRoot"/>
-      </p:par>
-    </p:tnLst>
-  </p:timing>
-</p:sld>
-</file>
-
-<file path=ppt/slides/slide9.xml><?xml version="1.0" encoding="utf-8"?>
-<p:sld xmlns:a="http://schemas.openxmlformats.org/drawingml/2006/main" xmlns:r="http://schemas.openxmlformats.org/officeDocument/2006/relationships" xmlns:p="http://schemas.openxmlformats.org/presentationml/2006/main">
-  <p:cSld>
-    <p:spTree>
-      <p:nvGrpSpPr>
-        <p:cNvPr id="1" name=""/>
-        <p:cNvGrpSpPr/>
-        <p:nvPr/>
-      </p:nvGrpSpPr>
-      <p:grpSpPr>
-        <a:xfrm>
-          <a:off x="0" y="0"/>
-          <a:ext cx="0" cy="0"/>
-          <a:chOff x="0" y="0"/>
-          <a:chExt cx="0" cy="0"/>
-        </a:xfrm>
-      </p:grpSpPr>
-      <p:sp>
-        <p:nvSpPr>
-          <p:cNvPr id="2" name="Title 1"/>
-          <p:cNvSpPr>
-            <a:spLocks noGrp="1"/>
-          </p:cNvSpPr>
-          <p:nvPr>
-            <p:ph type="title"/>
-          </p:nvPr>
-        </p:nvSpPr>
-        <p:spPr>
-          <a:xfrm>
-            <a:off x="838200" y="192130"/>
-            <a:ext cx="10515600" cy="1325563"/>
-          </a:xfrm>
-        </p:spPr>
-        <p:txBody>
-          <a:bodyPr/>
-          <a:lstStyle/>
-          <a:p>
-            <a:pPr algn="ctr"/>
-            <a:r>
-              <a:rPr lang="en-US" dirty="0" smtClean="0">
-                <a:latin typeface="Arial Rounded MT Bold" charset="0"/>
-                <a:ea typeface="Arial Rounded MT Bold" charset="0"/>
-                <a:cs typeface="Arial Rounded MT Bold" charset="0"/>
-              </a:rPr>
-              <a:t>Voice Commands Data Entry </a:t>
-            </a:r>
-            <a:r>
-              <a:rPr lang="en-US" dirty="0" smtClean="0">
-                <a:latin typeface="Arial Rounded MT Bold" charset="0"/>
-                <a:ea typeface="Arial Rounded MT Bold" charset="0"/>
-                <a:cs typeface="Arial Rounded MT Bold" charset="0"/>
-              </a:rPr>
-              <a:t>External Mic</a:t>
-            </a:r>
-            <a:endParaRPr lang="en-US" dirty="0">
-              <a:latin typeface="Arial Rounded MT Bold" charset="0"/>
-              <a:ea typeface="Arial Rounded MT Bold" charset="0"/>
-              <a:cs typeface="Arial Rounded MT Bold" charset="0"/>
-            </a:endParaRPr>
-          </a:p>
-        </p:txBody>
-      </p:sp>
-      <p:pic>
-        <p:nvPicPr>
-          <p:cNvPr id="4" name="Picture 3"/>
-          <p:cNvPicPr>
-            <a:picLocks noChangeAspect="1"/>
-          </p:cNvPicPr>
-          <p:nvPr/>
-        </p:nvPicPr>
-        <p:blipFill>
-          <a:blip r:embed="rId2">
-            <a:extLst>
-              <a:ext uri="{28A0092B-C50C-407E-A947-70E740481C1C}">
-                <a14:useLocalDpi xmlns:a14="http://schemas.microsoft.com/office/drawing/2010/main" val="0"/>
-              </a:ext>
-            </a:extLst>
-          </a:blip>
-          <a:stretch>
-            <a:fillRect/>
-          </a:stretch>
-        </p:blipFill>
-        <p:spPr>
-          <a:xfrm>
-            <a:off x="2293723" y="2051093"/>
-            <a:ext cx="7888244" cy="1972061"/>
-          </a:xfrm>
-          <a:prstGeom prst="rect">
-            <a:avLst/>
-          </a:prstGeom>
-        </p:spPr>
-      </p:pic>
-      <p:pic>
-        <p:nvPicPr>
-          <p:cNvPr id="5" name="Picture 4"/>
-          <p:cNvPicPr>
-            <a:picLocks noChangeAspect="1"/>
-          </p:cNvPicPr>
-          <p:nvPr/>
-        </p:nvPicPr>
-        <p:blipFill>
-          <a:blip r:embed="rId3">
-            <a:extLst>
-              <a:ext uri="{28A0092B-C50C-407E-A947-70E740481C1C}">
-                <a14:useLocalDpi xmlns:a14="http://schemas.microsoft.com/office/drawing/2010/main" val="0"/>
-              </a:ext>
-            </a:extLst>
-          </a:blip>
-          <a:stretch>
-            <a:fillRect/>
-          </a:stretch>
-        </p:blipFill>
-        <p:spPr>
-          <a:xfrm>
-            <a:off x="2293724" y="4374292"/>
-            <a:ext cx="7888244" cy="691977"/>
-          </a:xfrm>
-          <a:prstGeom prst="rect">
-            <a:avLst/>
-          </a:prstGeom>
-        </p:spPr>
-      </p:pic>
-      <p:pic>
-        <p:nvPicPr>
-          <p:cNvPr id="6" name="Picture 5"/>
-          <p:cNvPicPr>
-            <a:picLocks noChangeAspect="1"/>
-          </p:cNvPicPr>
-          <p:nvPr/>
-        </p:nvPicPr>
-        <p:blipFill>
-          <a:blip r:embed="rId4">
-            <a:extLst>
-              <a:ext uri="{28A0092B-C50C-407E-A947-70E740481C1C}">
-                <a14:useLocalDpi xmlns:a14="http://schemas.microsoft.com/office/drawing/2010/main" val="0"/>
-              </a:ext>
-            </a:extLst>
-          </a:blip>
-          <a:stretch>
-            <a:fillRect/>
-          </a:stretch>
-        </p:blipFill>
-        <p:spPr>
-          <a:xfrm>
-            <a:off x="2293723" y="5417407"/>
-            <a:ext cx="7888244" cy="693472"/>
-          </a:xfrm>
-          <a:prstGeom prst="rect">
-            <a:avLst/>
-          </a:prstGeom>
-        </p:spPr>
-      </p:pic>
-      <p:sp>
-        <p:nvSpPr>
-          <p:cNvPr id="7" name="TextBox 6"/>
-          <p:cNvSpPr txBox="1"/>
-          <p:nvPr/>
-        </p:nvSpPr>
-        <p:spPr>
-          <a:xfrm>
-            <a:off x="1905639" y="6396335"/>
-            <a:ext cx="8380722" cy="461665"/>
-          </a:xfrm>
-          <a:prstGeom prst="rect">
-            <a:avLst/>
-          </a:prstGeom>
-          <a:noFill/>
-        </p:spPr>
-        <p:txBody>
-          <a:bodyPr wrap="square" rtlCol="0">
-            <a:spAutoFit/>
-          </a:bodyPr>
-          <a:lstStyle/>
-          <a:p>
-            <a:pPr algn="r"/>
-            <a:r>
-              <a:rPr lang="en-US" sz="2400" dirty="0" smtClean="0"/>
-              <a:t>Optimal Number of Commands = 22</a:t>
-            </a:r>
-            <a:endParaRPr lang="en-US" sz="2400" dirty="0"/>
-          </a:p>
-        </p:txBody>
-      </p:sp>
-    </p:spTree>
-    <p:extLst>
-      <p:ext uri="{BB962C8B-B14F-4D97-AF65-F5344CB8AC3E}">
-        <p14:creationId xmlns:p14="http://schemas.microsoft.com/office/powerpoint/2010/main" val="1285730111"/>
-      </p:ext>
-    </p:extLst>
-  </p:cSld>
-  <p:clrMapOvr>
-    <a:masterClrMapping/>
-  </p:clrMapOvr>
-  <p:timing>
-    <p:tnLst>
-      <p:par>
-        <p:cTn id="1" dur="indefinite" restart="never" nodeType="tmRoot"/>
-      </p:par>
-    </p:tnLst>
-  </p:timing>
 </p:sld>
 </file>
 

--- a/User Eval Report.pptx
+++ b/User Eval Report.pptx
@@ -222,7 +222,7 @@
           <a:p>
             <a:fld id="{DC63FF96-5DB3-9747-B31B-B2F1D8406D6A}" type="datetimeFigureOut">
               <a:rPr lang="en-US" smtClean="0"/>
-              <a:t>12/15/2017</a:t>
+              <a:t>12/19/2017</a:t>
             </a:fld>
             <a:endParaRPr lang="en-US"/>
           </a:p>
@@ -387,7 +387,7 @@
           <a:p>
             <a:fld id="{C807DA2D-8F13-C345-B7AD-51F4CBEF9A42}" type="datetimeFigureOut">
               <a:rPr lang="en-US" smtClean="0"/>
-              <a:t>12/15/2017</a:t>
+              <a:t>12/19/2017</a:t>
             </a:fld>
             <a:endParaRPr lang="en-US"/>
           </a:p>
@@ -785,7 +785,7 @@
           <a:p>
             <a:fld id="{3ACFE856-DE09-7444-80D3-79A9CA6437A5}" type="datetimeFigureOut">
               <a:rPr lang="en-US" smtClean="0"/>
-              <a:t>12/15/2017</a:t>
+              <a:t>12/19/2017</a:t>
             </a:fld>
             <a:endParaRPr lang="en-US"/>
           </a:p>
@@ -955,7 +955,7 @@
           <a:p>
             <a:fld id="{3ACFE856-DE09-7444-80D3-79A9CA6437A5}" type="datetimeFigureOut">
               <a:rPr lang="en-US" smtClean="0"/>
-              <a:t>12/15/2017</a:t>
+              <a:t>12/19/2017</a:t>
             </a:fld>
             <a:endParaRPr lang="en-US"/>
           </a:p>
@@ -1130,7 +1130,7 @@
           <a:p>
             <a:fld id="{3ACFE856-DE09-7444-80D3-79A9CA6437A5}" type="datetimeFigureOut">
               <a:rPr lang="en-US" smtClean="0"/>
-              <a:t>12/15/2017</a:t>
+              <a:t>12/19/2017</a:t>
             </a:fld>
             <a:endParaRPr lang="en-US"/>
           </a:p>
@@ -1300,7 +1300,7 @@
           <a:p>
             <a:fld id="{3ACFE856-DE09-7444-80D3-79A9CA6437A5}" type="datetimeFigureOut">
               <a:rPr lang="en-US" smtClean="0"/>
-              <a:t>12/15/2017</a:t>
+              <a:t>12/19/2017</a:t>
             </a:fld>
             <a:endParaRPr lang="en-US"/>
           </a:p>
@@ -1541,7 +1541,7 @@
           <a:p>
             <a:fld id="{3ACFE856-DE09-7444-80D3-79A9CA6437A5}" type="datetimeFigureOut">
               <a:rPr lang="en-US" smtClean="0"/>
-              <a:t>12/15/2017</a:t>
+              <a:t>12/19/2017</a:t>
             </a:fld>
             <a:endParaRPr lang="en-US"/>
           </a:p>
@@ -1773,7 +1773,7 @@
           <a:p>
             <a:fld id="{3ACFE856-DE09-7444-80D3-79A9CA6437A5}" type="datetimeFigureOut">
               <a:rPr lang="en-US" smtClean="0"/>
-              <a:t>12/15/2017</a:t>
+              <a:t>12/19/2017</a:t>
             </a:fld>
             <a:endParaRPr lang="en-US"/>
           </a:p>
@@ -2135,7 +2135,7 @@
           <a:p>
             <a:fld id="{3ACFE856-DE09-7444-80D3-79A9CA6437A5}" type="datetimeFigureOut">
               <a:rPr lang="en-US" smtClean="0"/>
-              <a:t>12/15/2017</a:t>
+              <a:t>12/19/2017</a:t>
             </a:fld>
             <a:endParaRPr lang="en-US"/>
           </a:p>
@@ -2248,7 +2248,7 @@
           <a:p>
             <a:fld id="{3ACFE856-DE09-7444-80D3-79A9CA6437A5}" type="datetimeFigureOut">
               <a:rPr lang="en-US" smtClean="0"/>
-              <a:t>12/15/2017</a:t>
+              <a:t>12/19/2017</a:t>
             </a:fld>
             <a:endParaRPr lang="en-US"/>
           </a:p>
@@ -2338,7 +2338,7 @@
           <a:p>
             <a:fld id="{3ACFE856-DE09-7444-80D3-79A9CA6437A5}" type="datetimeFigureOut">
               <a:rPr lang="en-US" smtClean="0"/>
-              <a:t>12/15/2017</a:t>
+              <a:t>12/19/2017</a:t>
             </a:fld>
             <a:endParaRPr lang="en-US"/>
           </a:p>
@@ -2610,7 +2610,7 @@
           <a:p>
             <a:fld id="{3ACFE856-DE09-7444-80D3-79A9CA6437A5}" type="datetimeFigureOut">
               <a:rPr lang="en-US" smtClean="0"/>
-              <a:t>12/15/2017</a:t>
+              <a:t>12/19/2017</a:t>
             </a:fld>
             <a:endParaRPr lang="en-US"/>
           </a:p>
@@ -2862,7 +2862,7 @@
           <a:p>
             <a:fld id="{3ACFE856-DE09-7444-80D3-79A9CA6437A5}" type="datetimeFigureOut">
               <a:rPr lang="en-US" smtClean="0"/>
-              <a:t>12/15/2017</a:t>
+              <a:t>12/19/2017</a:t>
             </a:fld>
             <a:endParaRPr lang="en-US"/>
           </a:p>
@@ -3100,7 +3100,7 @@
           <a:p>
             <a:fld id="{3ACFE856-DE09-7444-80D3-79A9CA6437A5}" type="datetimeFigureOut">
               <a:rPr lang="en-US" smtClean="0"/>
-              <a:t>12/15/2017</a:t>
+              <a:t>12/19/2017</a:t>
             </a:fld>
             <a:endParaRPr lang="en-US"/>
           </a:p>
@@ -5547,7 +5547,7 @@
               <a:rPr lang="en-US" dirty="0">
                 <a:latin typeface="Arial Rounded MT Bold" panose="020F0704030504030204" pitchFamily="34" charset="0"/>
               </a:rPr>
-              <a:t>Simplify the tracking system for Just One More Ministry so that all of their required functionality is present and extra unnecessary features are removed</a:t>
+              <a:t>Simplify the tracking system for Just One More Ministry so that all of their required functionality is present and unnecessary features are removed</a:t>
             </a:r>
           </a:p>
         </p:txBody>
@@ -5939,7 +5939,7 @@
                 <a:ea typeface="Arial Rounded MT Bold" charset="0"/>
                 <a:cs typeface="Arial Rounded MT Bold" charset="0"/>
               </a:rPr>
-              <a:t>Manual Data Entry (user is not logged in)</a:t>
+              <a:t>Manual Data Entry (without user model)</a:t>
             </a:r>
           </a:p>
           <a:p>
@@ -5960,7 +5960,7 @@
                 <a:ea typeface="Arial Rounded MT Bold" charset="0"/>
                 <a:cs typeface="Arial Rounded MT Bold" charset="0"/>
               </a:rPr>
-              <a:t>Manual and Smart Widget Data Entry (user is logged in)</a:t>
+              <a:t>Manual and Smart Widget Data Entry (with user model)</a:t>
             </a:r>
           </a:p>
           <a:p>
@@ -5981,7 +5981,7 @@
                 <a:ea typeface="Arial Rounded MT Bold" charset="0"/>
                 <a:cs typeface="Arial Rounded MT Bold" charset="0"/>
               </a:rPr>
-              <a:t>Smart Widget (user is logged in)</a:t>
+              <a:t>Smart Widget (with user model)</a:t>
             </a:r>
           </a:p>
           <a:p>
@@ -6271,7 +6271,7 @@
         </p:blipFill>
         <p:spPr>
           <a:xfrm>
-            <a:off x="2596105" y="4384869"/>
+            <a:off x="2596105" y="4394394"/>
             <a:ext cx="7390746" cy="935466"/>
           </a:xfrm>
           <a:prstGeom prst="rect">
